--- a/2019.12.20_esp32-cam/ESP32-CAM-AI影像辨識應用_20191212.pptx
+++ b/2019.12.20_esp32-cam/ESP32-CAM-AI影像辨識應用_20191212.pptx
@@ -9555,18 +9555,7 @@
                   </a:schemeClr>
                 </a:solidFill>
               </a:rPr>
-              <a:t> </a:t>
-            </a:r>
-            <a:r>
-              <a:rPr lang="zh-TW" altLang="en-US" sz="3600" dirty="0" smtClean="0">
-                <a:solidFill>
-                  <a:schemeClr val="accent2">
-                    <a:lumMod val="60000"/>
-                    <a:lumOff val="40000"/>
-                  </a:schemeClr>
-                </a:solidFill>
-              </a:rPr>
-              <a:t>人</a:t>
+              <a:t> 人</a:t>
             </a:r>
             <a:r>
               <a:rPr lang="zh-TW" altLang="en-US" sz="3600" dirty="0">
@@ -10260,18 +10249,7 @@
                   </a:schemeClr>
                 </a:solidFill>
               </a:rPr>
-              <a:t> </a:t>
-            </a:r>
-            <a:r>
-              <a:rPr lang="zh-TW" altLang="en-US" sz="3600" dirty="0" smtClean="0">
-                <a:solidFill>
-                  <a:schemeClr val="accent2">
-                    <a:lumMod val="60000"/>
-                    <a:lumOff val="40000"/>
-                  </a:schemeClr>
-                </a:solidFill>
-              </a:rPr>
-              <a:t>上傳韌體設定      </a:t>
+              <a:t> 上傳韌體設定      </a:t>
             </a:r>
             <a:endParaRPr lang="en-US" altLang="zh-TW" sz="3600" dirty="0">
               <a:solidFill>
@@ -10415,18 +10393,7 @@
                   </a:schemeClr>
                 </a:solidFill>
               </a:rPr>
-              <a:t> </a:t>
-            </a:r>
-            <a:r>
-              <a:rPr lang="zh-TW" altLang="en-US" sz="3800" dirty="0" smtClean="0">
-                <a:solidFill>
-                  <a:schemeClr val="accent2">
-                    <a:lumMod val="60000"/>
-                    <a:lumOff val="40000"/>
-                  </a:schemeClr>
-                </a:solidFill>
-              </a:rPr>
-              <a:t>申請 </a:t>
+              <a:t> 申請 </a:t>
             </a:r>
             <a:r>
               <a:rPr lang="en-US" altLang="zh-TW" sz="3800" dirty="0">
@@ -10615,18 +10582,7 @@
                   </a:schemeClr>
                 </a:solidFill>
               </a:rPr>
-              <a:t> </a:t>
-            </a:r>
-            <a:r>
-              <a:rPr lang="zh-TW" altLang="en-US" sz="3800" dirty="0" smtClean="0">
-                <a:solidFill>
-                  <a:schemeClr val="accent2">
-                    <a:lumMod val="60000"/>
-                    <a:lumOff val="40000"/>
-                  </a:schemeClr>
-                </a:solidFill>
-              </a:rPr>
-              <a:t>申請 </a:t>
+              <a:t> 申請 </a:t>
             </a:r>
             <a:r>
               <a:rPr lang="en-US" altLang="zh-TW" sz="3800" dirty="0">
@@ -12823,15 +12779,7 @@
                   <a:srgbClr val="FFC000"/>
                 </a:solidFill>
               </a:rPr>
-              <a:t> </a:t>
-            </a:r>
-            <a:r>
-              <a:rPr lang="zh-TW" altLang="en-US" dirty="0" smtClean="0">
-                <a:solidFill>
-                  <a:srgbClr val="FFC000"/>
-                </a:solidFill>
-              </a:rPr>
-              <a:t>手寫</a:t>
+              <a:t> 手寫</a:t>
             </a:r>
             <a:r>
               <a:rPr lang="zh-TW" altLang="en-US" dirty="0">
@@ -12941,15 +12889,7 @@
                   <a:srgbClr val="FFC000"/>
                 </a:solidFill>
               </a:rPr>
-              <a:t> </a:t>
-            </a:r>
-            <a:r>
-              <a:rPr lang="zh-TW" altLang="en-US" dirty="0" smtClean="0">
-                <a:solidFill>
-                  <a:srgbClr val="FFC000"/>
-                </a:solidFill>
-              </a:rPr>
-              <a:t>視訊</a:t>
+              <a:t> 視訊</a:t>
             </a:r>
             <a:r>
               <a:rPr lang="zh-TW" altLang="en-US" dirty="0">
@@ -13334,18 +13274,7 @@
                   </a:schemeClr>
                 </a:solidFill>
               </a:rPr>
-              <a:t>可串流視訊、</a:t>
-            </a:r>
-            <a:r>
-              <a:rPr lang="zh-TW" altLang="en-US" sz="3600" dirty="0" smtClean="0">
-                <a:solidFill>
-                  <a:schemeClr val="accent4">
-                    <a:lumMod val="60000"/>
-                    <a:lumOff val="40000"/>
-                  </a:schemeClr>
-                </a:solidFill>
-              </a:rPr>
-              <a:t>不可</a:t>
+              <a:t>可串流視訊、不可</a:t>
             </a:r>
             <a:r>
               <a:rPr lang="zh-TW" altLang="en-US" sz="3600" dirty="0">
@@ -13560,18 +13489,7 @@
                   </a:schemeClr>
                 </a:solidFill>
               </a:rPr>
-              <a:t>範例</a:t>
-            </a:r>
-            <a:r>
-              <a:rPr lang="zh-TW" altLang="en-US" sz="3100" dirty="0" smtClean="0">
-                <a:solidFill>
-                  <a:schemeClr val="accent4">
-                    <a:lumMod val="60000"/>
-                    <a:lumOff val="40000"/>
-                  </a:schemeClr>
-                </a:solidFill>
-              </a:rPr>
-              <a:t>改寫模組</a:t>
+              <a:t>範例改寫模組</a:t>
             </a:r>
             <a:endParaRPr lang="en-US" altLang="zh-TW" sz="3100" dirty="0" smtClean="0">
               <a:solidFill>
@@ -14928,23 +14846,7 @@
                   <a:srgbClr val="00B0F0"/>
                 </a:solidFill>
               </a:rPr>
-              <a:t>雙軸雲</a:t>
-            </a:r>
-            <a:r>
-              <a:rPr lang="zh-TW" altLang="en-US" sz="3600" dirty="0" smtClean="0">
-                <a:solidFill>
-                  <a:srgbClr val="00B0F0"/>
-                </a:solidFill>
-              </a:rPr>
-              <a:t>台追蹤</a:t>
-            </a:r>
-            <a:r>
-              <a:rPr lang="zh-TW" altLang="en-US" sz="3600" dirty="0" smtClean="0">
-                <a:solidFill>
-                  <a:srgbClr val="00B0F0"/>
-                </a:solidFill>
-              </a:rPr>
-              <a:t>物體</a:t>
+              <a:t>雙軸雲台追蹤物體</a:t>
             </a:r>
             <a:endParaRPr lang="en-US" altLang="zh-TW" sz="3600" dirty="0">
               <a:solidFill>
@@ -15377,15 +15279,7 @@
                   <a:srgbClr val="00B0F0"/>
                 </a:solidFill>
               </a:rPr>
-              <a:t>通靈</a:t>
-            </a:r>
-            <a:r>
-              <a:rPr lang="zh-TW" altLang="en-US" sz="3600" dirty="0" smtClean="0">
-                <a:solidFill>
-                  <a:srgbClr val="00B0F0"/>
-                </a:solidFill>
-              </a:rPr>
-              <a:t>  </a:t>
+              <a:t>通靈  </a:t>
             </a:r>
             <a:r>
               <a:rPr lang="en-US" altLang="zh-TW" dirty="0">
@@ -15944,7 +15838,7 @@
       </p:grpSpPr>
       <p:pic>
         <p:nvPicPr>
-          <p:cNvPr id="2050" name="Picture 2" descr="「esp32-cam」的圖片搜尋結果&quot;"/>
+          <p:cNvPr id="1026" name="Picture 2" descr="ESP32管脚定义"/>
           <p:cNvPicPr>
             <a:picLocks noChangeAspect="1" noChangeArrowheads="1"/>
           </p:cNvPicPr>
@@ -15965,8 +15859,8 @@
         </p:blipFill>
         <p:spPr bwMode="auto">
           <a:xfrm>
-            <a:off x="1486916" y="0"/>
-            <a:ext cx="9144000" cy="6858000"/>
+            <a:off x="405780" y="620688"/>
+            <a:ext cx="11333188" cy="5616624"/>
           </a:xfrm>
           <a:prstGeom prst="rect">
             <a:avLst/>
@@ -16438,15 +16332,7 @@
                 <a:ea typeface="微軟正黑體" panose="020B0604030504040204" pitchFamily="34" charset="-120"/>
                 <a:sym typeface="Salesforce Sans"/>
               </a:rPr>
-              <a:t>教育</a:t>
-            </a:r>
-            <a:r>
-              <a:rPr lang="zh-TW" altLang="en-US" dirty="0" smtClean="0">
-                <a:latin typeface="Salesforce Sans"/>
-                <a:ea typeface="微軟正黑體" panose="020B0604030504040204" pitchFamily="34" charset="-120"/>
-                <a:sym typeface="Salesforce Sans"/>
-              </a:rPr>
-              <a:t>版新增外掛自訂積木</a:t>
+              <a:t>教育版新增外掛自訂積木</a:t>
             </a:r>
             <a:endParaRPr lang="zh-TW" altLang="en-US" dirty="0">
               <a:latin typeface="Salesforce Sans"/>
@@ -20175,15 +20061,7 @@
                   <a:srgbClr val="92D050"/>
                 </a:solidFill>
               </a:rPr>
-              <a:t>簡介</a:t>
-            </a:r>
-            <a:r>
-              <a:rPr lang="zh-TW" altLang="en-US" sz="3600" dirty="0" smtClean="0">
-                <a:solidFill>
-                  <a:srgbClr val="92D050"/>
-                </a:solidFill>
-              </a:rPr>
-              <a:t>與開發環境建置</a:t>
+              <a:t>簡介與開發環境建置</a:t>
             </a:r>
             <a:endParaRPr lang="en-US" altLang="zh-TW" sz="3600" dirty="0" smtClean="0">
               <a:solidFill>
@@ -20243,15 +20121,7 @@
                   <a:srgbClr val="92D050"/>
                 </a:solidFill>
               </a:rPr>
-              <a:t>物件</a:t>
-            </a:r>
-            <a:r>
-              <a:rPr lang="zh-TW" altLang="en-US" sz="3600" dirty="0" smtClean="0">
-                <a:solidFill>
-                  <a:srgbClr val="92D050"/>
-                </a:solidFill>
-              </a:rPr>
-              <a:t>監視、物件追蹤實作</a:t>
+              <a:t>物件監視、物件追蹤實作</a:t>
             </a:r>
             <a:endParaRPr lang="en-US" altLang="zh-TW" sz="3600" dirty="0">
               <a:solidFill>
@@ -20289,15 +20159,7 @@
                   <a:srgbClr val="92D050"/>
                 </a:solidFill>
               </a:rPr>
-              <a:t>姿態</a:t>
-            </a:r>
-            <a:r>
-              <a:rPr lang="zh-TW" altLang="en-US" sz="3600" dirty="0" smtClean="0">
-                <a:solidFill>
-                  <a:srgbClr val="92D050"/>
-                </a:solidFill>
-              </a:rPr>
-              <a:t>辨識智慧控制實作</a:t>
+              <a:t>姿態辨識智慧控制實作</a:t>
             </a:r>
             <a:endParaRPr lang="en-US" altLang="zh-TW" sz="3600" dirty="0">
               <a:solidFill>
@@ -20335,15 +20197,7 @@
                   <a:srgbClr val="92D050"/>
                 </a:solidFill>
               </a:rPr>
-              <a:t>深度</a:t>
-            </a:r>
-            <a:r>
-              <a:rPr lang="zh-TW" altLang="en-US" sz="3600" dirty="0" smtClean="0">
-                <a:solidFill>
-                  <a:srgbClr val="92D050"/>
-                </a:solidFill>
-              </a:rPr>
-              <a:t>學習自走車實作</a:t>
+              <a:t>深度學習自走車實作</a:t>
             </a:r>
             <a:endParaRPr lang="en-US" altLang="zh-TW" sz="3600" dirty="0">
               <a:solidFill>
@@ -22591,142 +22445,6 @@
 </file>
 
 <file path=customXml/item1.xml><?xml version="1.0" encoding="utf-8"?>
-<p:properties xmlns:p="http://schemas.microsoft.com/office/2006/metadata/properties" xmlns:xsi="http://www.w3.org/2001/XMLSchema-instance" xmlns:pc="http://schemas.microsoft.com/office/infopath/2007/PartnerControls">
-  <documentManagement>
-    <LocPublishedLinkedAssetsLookup xmlns="4873beb7-5857-4685-be1f-d57550cc96cc" xsi:nil="true"/>
-    <ApprovalStatus xmlns="4873beb7-5857-4685-be1f-d57550cc96cc">InProgress</ApprovalStatus>
-    <MarketSpecific xmlns="4873beb7-5857-4685-be1f-d57550cc96cc">false</MarketSpecific>
-    <LocComments xmlns="4873beb7-5857-4685-be1f-d57550cc96cc" xsi:nil="true"/>
-    <LocLastLocAttemptVersionTypeLookup xmlns="4873beb7-5857-4685-be1f-d57550cc96cc" xsi:nil="true"/>
-    <DirectSourceMarket xmlns="4873beb7-5857-4685-be1f-d57550cc96cc" xsi:nil="true"/>
-    <ThumbnailAssetId xmlns="4873beb7-5857-4685-be1f-d57550cc96cc" xsi:nil="true"/>
-    <PrimaryImageGen xmlns="4873beb7-5857-4685-be1f-d57550cc96cc">false</PrimaryImageGen>
-    <LocNewPublishedVersionLookup xmlns="4873beb7-5857-4685-be1f-d57550cc96cc" xsi:nil="true"/>
-    <LegacyData xmlns="4873beb7-5857-4685-be1f-d57550cc96cc" xsi:nil="true"/>
-    <LocRecommendedHandoff xmlns="4873beb7-5857-4685-be1f-d57550cc96cc" xsi:nil="true"/>
-    <BusinessGroup xmlns="4873beb7-5857-4685-be1f-d57550cc96cc" xsi:nil="true"/>
-    <BlockPublish xmlns="4873beb7-5857-4685-be1f-d57550cc96cc">false</BlockPublish>
-    <TPFriendlyName xmlns="4873beb7-5857-4685-be1f-d57550cc96cc" xsi:nil="true"/>
-    <LocOverallPublishStatusLookup xmlns="4873beb7-5857-4685-be1f-d57550cc96cc" xsi:nil="true"/>
-    <NumericId xmlns="4873beb7-5857-4685-be1f-d57550cc96cc" xsi:nil="true"/>
-    <APEditor xmlns="4873beb7-5857-4685-be1f-d57550cc96cc">
-      <UserInfo>
-        <DisplayName/>
-        <AccountId xsi:nil="true"/>
-        <AccountType/>
-      </UserInfo>
-    </APEditor>
-    <SourceTitle xmlns="4873beb7-5857-4685-be1f-d57550cc96cc" xsi:nil="true"/>
-    <OpenTemplate xmlns="4873beb7-5857-4685-be1f-d57550cc96cc">true</OpenTemplate>
-    <LocOverallLocStatusLookup xmlns="4873beb7-5857-4685-be1f-d57550cc96cc" xsi:nil="true"/>
-    <UALocComments xmlns="4873beb7-5857-4685-be1f-d57550cc96cc" xsi:nil="true"/>
-    <ParentAssetId xmlns="4873beb7-5857-4685-be1f-d57550cc96cc" xsi:nil="true"/>
-    <IntlLangReviewDate xmlns="4873beb7-5857-4685-be1f-d57550cc96cc" xsi:nil="true"/>
-    <FeatureTagsTaxHTField0 xmlns="4873beb7-5857-4685-be1f-d57550cc96cc">
-      <Terms xmlns="http://schemas.microsoft.com/office/infopath/2007/PartnerControls"/>
-    </FeatureTagsTaxHTField0>
-    <PublishStatusLookup xmlns="4873beb7-5857-4685-be1f-d57550cc96cc">
-      <Value>1345093</Value>
-    </PublishStatusLookup>
-    <Providers xmlns="4873beb7-5857-4685-be1f-d57550cc96cc" xsi:nil="true"/>
-    <MachineTranslated xmlns="4873beb7-5857-4685-be1f-d57550cc96cc">false</MachineTranslated>
-    <OriginalSourceMarket xmlns="4873beb7-5857-4685-be1f-d57550cc96cc" xsi:nil="true"/>
-    <APDescription xmlns="4873beb7-5857-4685-be1f-d57550cc96cc">This simple template design works for technology and  businesses, but it's versatile enough to use in other contexts.  It features multiple slide layouts designed for widescreen (16x9 resolution) and includes a sample SmartArt list and chart that are easily editable.</APDescription>
-    <ClipArtFilename xmlns="4873beb7-5857-4685-be1f-d57550cc96cc" xsi:nil="true"/>
-    <ContentItem xmlns="4873beb7-5857-4685-be1f-d57550cc96cc" xsi:nil="true"/>
-    <TPInstallLocation xmlns="4873beb7-5857-4685-be1f-d57550cc96cc" xsi:nil="true"/>
-    <PublishTargets xmlns="4873beb7-5857-4685-be1f-d57550cc96cc">OfficeOnlineVNext</PublishTargets>
-    <TimesCloned xmlns="4873beb7-5857-4685-be1f-d57550cc96cc" xsi:nil="true"/>
-    <AssetStart xmlns="4873beb7-5857-4685-be1f-d57550cc96cc">2011-11-26T00:30:00+00:00</AssetStart>
-    <Provider xmlns="4873beb7-5857-4685-be1f-d57550cc96cc" xsi:nil="true"/>
-    <AcquiredFrom xmlns="4873beb7-5857-4685-be1f-d57550cc96cc">Internal MS</AcquiredFrom>
-    <FriendlyTitle xmlns="4873beb7-5857-4685-be1f-d57550cc96cc" xsi:nil="true"/>
-    <LastHandOff xmlns="4873beb7-5857-4685-be1f-d57550cc96cc" xsi:nil="true"/>
-    <TPClientViewer xmlns="4873beb7-5857-4685-be1f-d57550cc96cc" xsi:nil="true"/>
-    <TemplateStatus xmlns="4873beb7-5857-4685-be1f-d57550cc96cc">Complete</TemplateStatus>
-    <Downloads xmlns="4873beb7-5857-4685-be1f-d57550cc96cc">0</Downloads>
-    <OOCacheId xmlns="4873beb7-5857-4685-be1f-d57550cc96cc" xsi:nil="true"/>
-    <IsDeleted xmlns="4873beb7-5857-4685-be1f-d57550cc96cc">false</IsDeleted>
-    <LocPublishedDependentAssetsLookup xmlns="4873beb7-5857-4685-be1f-d57550cc96cc" xsi:nil="true"/>
-    <TPExecutable xmlns="4873beb7-5857-4685-be1f-d57550cc96cc" xsi:nil="true"/>
-    <EditorialTags xmlns="4873beb7-5857-4685-be1f-d57550cc96cc" xsi:nil="true"/>
-    <SubmitterId xmlns="4873beb7-5857-4685-be1f-d57550cc96cc" xsi:nil="true"/>
-    <ApprovalLog xmlns="4873beb7-5857-4685-be1f-d57550cc96cc" xsi:nil="true"/>
-    <AssetType xmlns="4873beb7-5857-4685-be1f-d57550cc96cc">TP</AssetType>
-    <BugNumber xmlns="4873beb7-5857-4685-be1f-d57550cc96cc" xsi:nil="true"/>
-    <CSXSubmissionDate xmlns="4873beb7-5857-4685-be1f-d57550cc96cc" xsi:nil="true"/>
-    <CSXUpdate xmlns="4873beb7-5857-4685-be1f-d57550cc96cc">false</CSXUpdate>
-    <Milestone xmlns="4873beb7-5857-4685-be1f-d57550cc96cc" xsi:nil="true"/>
-    <RecommendationsModifier xmlns="4873beb7-5857-4685-be1f-d57550cc96cc" xsi:nil="true"/>
-    <OriginAsset xmlns="4873beb7-5857-4685-be1f-d57550cc96cc" xsi:nil="true"/>
-    <TPComponent xmlns="4873beb7-5857-4685-be1f-d57550cc96cc" xsi:nil="true"/>
-    <AssetId xmlns="4873beb7-5857-4685-be1f-d57550cc96cc">TP102787989</AssetId>
-    <IntlLocPriority xmlns="4873beb7-5857-4685-be1f-d57550cc96cc" xsi:nil="true"/>
-    <PolicheckWords xmlns="4873beb7-5857-4685-be1f-d57550cc96cc" xsi:nil="true"/>
-    <TPLaunchHelpLink xmlns="4873beb7-5857-4685-be1f-d57550cc96cc" xsi:nil="true"/>
-    <TPApplication xmlns="4873beb7-5857-4685-be1f-d57550cc96cc" xsi:nil="true"/>
-    <CrawlForDependencies xmlns="4873beb7-5857-4685-be1f-d57550cc96cc">false</CrawlForDependencies>
-    <HandoffToMSDN xmlns="4873beb7-5857-4685-be1f-d57550cc96cc" xsi:nil="true"/>
-    <PlannedPubDate xmlns="4873beb7-5857-4685-be1f-d57550cc96cc" xsi:nil="true"/>
-    <IntlLangReviewer xmlns="4873beb7-5857-4685-be1f-d57550cc96cc" xsi:nil="true"/>
-    <TrustLevel xmlns="4873beb7-5857-4685-be1f-d57550cc96cc">1 Microsoft Managed Content</TrustLevel>
-    <LocLastLocAttemptVersionLookup xmlns="4873beb7-5857-4685-be1f-d57550cc96cc">694266</LocLastLocAttemptVersionLookup>
-    <LocProcessedForHandoffsLookup xmlns="4873beb7-5857-4685-be1f-d57550cc96cc" xsi:nil="true"/>
-    <IsSearchable xmlns="4873beb7-5857-4685-be1f-d57550cc96cc">true</IsSearchable>
-    <TemplateTemplateType xmlns="4873beb7-5857-4685-be1f-d57550cc96cc">PowerPoint Presentation Template</TemplateTemplateType>
-    <CampaignTagsTaxHTField0 xmlns="4873beb7-5857-4685-be1f-d57550cc96cc">
-      <Terms xmlns="http://schemas.microsoft.com/office/infopath/2007/PartnerControls"/>
-    </CampaignTagsTaxHTField0>
-    <TPNamespace xmlns="4873beb7-5857-4685-be1f-d57550cc96cc" xsi:nil="true"/>
-    <LocOverallPreviewStatusLookup xmlns="4873beb7-5857-4685-be1f-d57550cc96cc" xsi:nil="true"/>
-    <TaxCatchAll xmlns="4873beb7-5857-4685-be1f-d57550cc96cc"/>
-    <Markets xmlns="4873beb7-5857-4685-be1f-d57550cc96cc"/>
-    <UAProjectedTotalWords xmlns="4873beb7-5857-4685-be1f-d57550cc96cc" xsi:nil="true"/>
-    <IntlLangReview xmlns="4873beb7-5857-4685-be1f-d57550cc96cc" xsi:nil="true"/>
-    <OutputCachingOn xmlns="4873beb7-5857-4685-be1f-d57550cc96cc">false</OutputCachingOn>
-    <AverageRating xmlns="4873beb7-5857-4685-be1f-d57550cc96cc" xsi:nil="true"/>
-    <APAuthor xmlns="4873beb7-5857-4685-be1f-d57550cc96cc">
-      <UserInfo>
-        <DisplayName>REDMOND\kristaa</DisplayName>
-        <AccountId>136</AccountId>
-        <AccountType/>
-      </UserInfo>
-    </APAuthor>
-    <LocManualTestRequired xmlns="4873beb7-5857-4685-be1f-d57550cc96cc">false</LocManualTestRequired>
-    <TPCommandLine xmlns="4873beb7-5857-4685-be1f-d57550cc96cc" xsi:nil="true"/>
-    <TPAppVersion xmlns="4873beb7-5857-4685-be1f-d57550cc96cc" xsi:nil="true"/>
-    <EditorialStatus xmlns="4873beb7-5857-4685-be1f-d57550cc96cc">Complete</EditorialStatus>
-    <LastModifiedDateTime xmlns="4873beb7-5857-4685-be1f-d57550cc96cc" xsi:nil="true"/>
-    <ScenarioTagsTaxHTField0 xmlns="4873beb7-5857-4685-be1f-d57550cc96cc">
-      <Terms xmlns="http://schemas.microsoft.com/office/infopath/2007/PartnerControls"/>
-    </ScenarioTagsTaxHTField0>
-    <LocProcessedForMarketsLookup xmlns="4873beb7-5857-4685-be1f-d57550cc96cc" xsi:nil="true"/>
-    <TPLaunchHelpLinkType xmlns="4873beb7-5857-4685-be1f-d57550cc96cc">Template</TPLaunchHelpLinkType>
-    <OriginalRelease xmlns="4873beb7-5857-4685-be1f-d57550cc96cc">15</OriginalRelease>
-    <LocalizationTagsTaxHTField0 xmlns="4873beb7-5857-4685-be1f-d57550cc96cc">
-      <Terms xmlns="http://schemas.microsoft.com/office/infopath/2007/PartnerControls"/>
-    </LocalizationTagsTaxHTField0>
-    <UACurrentWords xmlns="4873beb7-5857-4685-be1f-d57550cc96cc" xsi:nil="true"/>
-    <ArtSampleDocs xmlns="4873beb7-5857-4685-be1f-d57550cc96cc" xsi:nil="true"/>
-    <UALocRecommendation xmlns="4873beb7-5857-4685-be1f-d57550cc96cc">Localize</UALocRecommendation>
-    <Manager xmlns="4873beb7-5857-4685-be1f-d57550cc96cc" xsi:nil="true"/>
-    <LocOverallHandbackStatusLookup xmlns="4873beb7-5857-4685-be1f-d57550cc96cc" xsi:nil="true"/>
-    <ShowIn xmlns="4873beb7-5857-4685-be1f-d57550cc96cc">Show everywhere</ShowIn>
-    <UANotes xmlns="4873beb7-5857-4685-be1f-d57550cc96cc" xsi:nil="true"/>
-    <InternalTagsTaxHTField0 xmlns="4873beb7-5857-4685-be1f-d57550cc96cc">
-      <Terms xmlns="http://schemas.microsoft.com/office/infopath/2007/PartnerControls"/>
-    </InternalTagsTaxHTField0>
-    <CSXHash xmlns="4873beb7-5857-4685-be1f-d57550cc96cc" xsi:nil="true"/>
-    <VoteCount xmlns="4873beb7-5857-4685-be1f-d57550cc96cc" xsi:nil="true"/>
-    <AssetExpire xmlns="4873beb7-5857-4685-be1f-d57550cc96cc">2029-05-12T07:00:00+00:00</AssetExpire>
-    <DSATActionTaken xmlns="4873beb7-5857-4685-be1f-d57550cc96cc" xsi:nil="true"/>
-    <CSXSubmissionMarket xmlns="4873beb7-5857-4685-be1f-d57550cc96cc" xsi:nil="true"/>
-    <LocMarketGroupTiers2 xmlns="4873beb7-5857-4685-be1f-d57550cc96cc" xsi:nil="true"/>
-  </documentManagement>
-</p:properties>
-</file>
-
-<file path=customXml/item2.xml><?xml version="1.0" encoding="utf-8"?>
 <ct:contentTypeSchema xmlns:ct="http://schemas.microsoft.com/office/2006/metadata/contentType" xmlns:ma="http://schemas.microsoft.com/office/2006/metadata/properties/metaAttributes" ct:_="" ma:_="" ma:contentTypeName="TemplateFile" ma:contentTypeID="0x0101006EDDDB5EE6D98C44930B742096920B300400F5B6D36B3EF94B4E9A635CDF2A18F5B8" ma:contentTypeVersion="72" ma:contentTypeDescription="Create a new document." ma:contentTypeScope="" ma:versionID="a23e56308344d904b51738559c3d67c9">
   <xsd:schema xmlns:xsd="http://www.w3.org/2001/XMLSchema" xmlns:xs="http://www.w3.org/2001/XMLSchema" xmlns:p="http://schemas.microsoft.com/office/2006/metadata/properties" xmlns:ns2="4873beb7-5857-4685-be1f-d57550cc96cc" targetNamespace="http://schemas.microsoft.com/office/2006/metadata/properties" ma:root="true" ma:fieldsID="cd0908cc4600e77bf5da051303e00c8d" ns2:_="">
     <xsd:import namespace="4873beb7-5857-4685-be1f-d57550cc96cc"/>
@@ -23766,6 +23484,142 @@
 </ct:contentTypeSchema>
 </file>
 
+<file path=customXml/item2.xml><?xml version="1.0" encoding="utf-8"?>
+<p:properties xmlns:p="http://schemas.microsoft.com/office/2006/metadata/properties" xmlns:xsi="http://www.w3.org/2001/XMLSchema-instance" xmlns:pc="http://schemas.microsoft.com/office/infopath/2007/PartnerControls">
+  <documentManagement>
+    <LocPublishedLinkedAssetsLookup xmlns="4873beb7-5857-4685-be1f-d57550cc96cc" xsi:nil="true"/>
+    <ApprovalStatus xmlns="4873beb7-5857-4685-be1f-d57550cc96cc">InProgress</ApprovalStatus>
+    <MarketSpecific xmlns="4873beb7-5857-4685-be1f-d57550cc96cc">false</MarketSpecific>
+    <LocComments xmlns="4873beb7-5857-4685-be1f-d57550cc96cc" xsi:nil="true"/>
+    <LocLastLocAttemptVersionTypeLookup xmlns="4873beb7-5857-4685-be1f-d57550cc96cc" xsi:nil="true"/>
+    <DirectSourceMarket xmlns="4873beb7-5857-4685-be1f-d57550cc96cc" xsi:nil="true"/>
+    <ThumbnailAssetId xmlns="4873beb7-5857-4685-be1f-d57550cc96cc" xsi:nil="true"/>
+    <PrimaryImageGen xmlns="4873beb7-5857-4685-be1f-d57550cc96cc">false</PrimaryImageGen>
+    <LocNewPublishedVersionLookup xmlns="4873beb7-5857-4685-be1f-d57550cc96cc" xsi:nil="true"/>
+    <LegacyData xmlns="4873beb7-5857-4685-be1f-d57550cc96cc" xsi:nil="true"/>
+    <LocRecommendedHandoff xmlns="4873beb7-5857-4685-be1f-d57550cc96cc" xsi:nil="true"/>
+    <BusinessGroup xmlns="4873beb7-5857-4685-be1f-d57550cc96cc" xsi:nil="true"/>
+    <BlockPublish xmlns="4873beb7-5857-4685-be1f-d57550cc96cc">false</BlockPublish>
+    <TPFriendlyName xmlns="4873beb7-5857-4685-be1f-d57550cc96cc" xsi:nil="true"/>
+    <LocOverallPublishStatusLookup xmlns="4873beb7-5857-4685-be1f-d57550cc96cc" xsi:nil="true"/>
+    <NumericId xmlns="4873beb7-5857-4685-be1f-d57550cc96cc" xsi:nil="true"/>
+    <APEditor xmlns="4873beb7-5857-4685-be1f-d57550cc96cc">
+      <UserInfo>
+        <DisplayName/>
+        <AccountId xsi:nil="true"/>
+        <AccountType/>
+      </UserInfo>
+    </APEditor>
+    <SourceTitle xmlns="4873beb7-5857-4685-be1f-d57550cc96cc" xsi:nil="true"/>
+    <OpenTemplate xmlns="4873beb7-5857-4685-be1f-d57550cc96cc">true</OpenTemplate>
+    <LocOverallLocStatusLookup xmlns="4873beb7-5857-4685-be1f-d57550cc96cc" xsi:nil="true"/>
+    <UALocComments xmlns="4873beb7-5857-4685-be1f-d57550cc96cc" xsi:nil="true"/>
+    <ParentAssetId xmlns="4873beb7-5857-4685-be1f-d57550cc96cc" xsi:nil="true"/>
+    <IntlLangReviewDate xmlns="4873beb7-5857-4685-be1f-d57550cc96cc" xsi:nil="true"/>
+    <FeatureTagsTaxHTField0 xmlns="4873beb7-5857-4685-be1f-d57550cc96cc">
+      <Terms xmlns="http://schemas.microsoft.com/office/infopath/2007/PartnerControls"/>
+    </FeatureTagsTaxHTField0>
+    <PublishStatusLookup xmlns="4873beb7-5857-4685-be1f-d57550cc96cc">
+      <Value>1345093</Value>
+    </PublishStatusLookup>
+    <Providers xmlns="4873beb7-5857-4685-be1f-d57550cc96cc" xsi:nil="true"/>
+    <MachineTranslated xmlns="4873beb7-5857-4685-be1f-d57550cc96cc">false</MachineTranslated>
+    <OriginalSourceMarket xmlns="4873beb7-5857-4685-be1f-d57550cc96cc" xsi:nil="true"/>
+    <APDescription xmlns="4873beb7-5857-4685-be1f-d57550cc96cc">This simple template design works for technology and  businesses, but it's versatile enough to use in other contexts.  It features multiple slide layouts designed for widescreen (16x9 resolution) and includes a sample SmartArt list and chart that are easily editable.</APDescription>
+    <ClipArtFilename xmlns="4873beb7-5857-4685-be1f-d57550cc96cc" xsi:nil="true"/>
+    <ContentItem xmlns="4873beb7-5857-4685-be1f-d57550cc96cc" xsi:nil="true"/>
+    <TPInstallLocation xmlns="4873beb7-5857-4685-be1f-d57550cc96cc" xsi:nil="true"/>
+    <PublishTargets xmlns="4873beb7-5857-4685-be1f-d57550cc96cc">OfficeOnlineVNext</PublishTargets>
+    <TimesCloned xmlns="4873beb7-5857-4685-be1f-d57550cc96cc" xsi:nil="true"/>
+    <AssetStart xmlns="4873beb7-5857-4685-be1f-d57550cc96cc">2011-11-26T00:30:00+00:00</AssetStart>
+    <Provider xmlns="4873beb7-5857-4685-be1f-d57550cc96cc" xsi:nil="true"/>
+    <AcquiredFrom xmlns="4873beb7-5857-4685-be1f-d57550cc96cc">Internal MS</AcquiredFrom>
+    <FriendlyTitle xmlns="4873beb7-5857-4685-be1f-d57550cc96cc" xsi:nil="true"/>
+    <LastHandOff xmlns="4873beb7-5857-4685-be1f-d57550cc96cc" xsi:nil="true"/>
+    <TPClientViewer xmlns="4873beb7-5857-4685-be1f-d57550cc96cc" xsi:nil="true"/>
+    <TemplateStatus xmlns="4873beb7-5857-4685-be1f-d57550cc96cc">Complete</TemplateStatus>
+    <Downloads xmlns="4873beb7-5857-4685-be1f-d57550cc96cc">0</Downloads>
+    <OOCacheId xmlns="4873beb7-5857-4685-be1f-d57550cc96cc" xsi:nil="true"/>
+    <IsDeleted xmlns="4873beb7-5857-4685-be1f-d57550cc96cc">false</IsDeleted>
+    <LocPublishedDependentAssetsLookup xmlns="4873beb7-5857-4685-be1f-d57550cc96cc" xsi:nil="true"/>
+    <TPExecutable xmlns="4873beb7-5857-4685-be1f-d57550cc96cc" xsi:nil="true"/>
+    <EditorialTags xmlns="4873beb7-5857-4685-be1f-d57550cc96cc" xsi:nil="true"/>
+    <SubmitterId xmlns="4873beb7-5857-4685-be1f-d57550cc96cc" xsi:nil="true"/>
+    <ApprovalLog xmlns="4873beb7-5857-4685-be1f-d57550cc96cc" xsi:nil="true"/>
+    <AssetType xmlns="4873beb7-5857-4685-be1f-d57550cc96cc">TP</AssetType>
+    <BugNumber xmlns="4873beb7-5857-4685-be1f-d57550cc96cc" xsi:nil="true"/>
+    <CSXSubmissionDate xmlns="4873beb7-5857-4685-be1f-d57550cc96cc" xsi:nil="true"/>
+    <CSXUpdate xmlns="4873beb7-5857-4685-be1f-d57550cc96cc">false</CSXUpdate>
+    <Milestone xmlns="4873beb7-5857-4685-be1f-d57550cc96cc" xsi:nil="true"/>
+    <RecommendationsModifier xmlns="4873beb7-5857-4685-be1f-d57550cc96cc" xsi:nil="true"/>
+    <OriginAsset xmlns="4873beb7-5857-4685-be1f-d57550cc96cc" xsi:nil="true"/>
+    <TPComponent xmlns="4873beb7-5857-4685-be1f-d57550cc96cc" xsi:nil="true"/>
+    <AssetId xmlns="4873beb7-5857-4685-be1f-d57550cc96cc">TP102787989</AssetId>
+    <IntlLocPriority xmlns="4873beb7-5857-4685-be1f-d57550cc96cc" xsi:nil="true"/>
+    <PolicheckWords xmlns="4873beb7-5857-4685-be1f-d57550cc96cc" xsi:nil="true"/>
+    <TPLaunchHelpLink xmlns="4873beb7-5857-4685-be1f-d57550cc96cc" xsi:nil="true"/>
+    <TPApplication xmlns="4873beb7-5857-4685-be1f-d57550cc96cc" xsi:nil="true"/>
+    <CrawlForDependencies xmlns="4873beb7-5857-4685-be1f-d57550cc96cc">false</CrawlForDependencies>
+    <HandoffToMSDN xmlns="4873beb7-5857-4685-be1f-d57550cc96cc" xsi:nil="true"/>
+    <PlannedPubDate xmlns="4873beb7-5857-4685-be1f-d57550cc96cc" xsi:nil="true"/>
+    <IntlLangReviewer xmlns="4873beb7-5857-4685-be1f-d57550cc96cc" xsi:nil="true"/>
+    <TrustLevel xmlns="4873beb7-5857-4685-be1f-d57550cc96cc">1 Microsoft Managed Content</TrustLevel>
+    <LocLastLocAttemptVersionLookup xmlns="4873beb7-5857-4685-be1f-d57550cc96cc">694266</LocLastLocAttemptVersionLookup>
+    <LocProcessedForHandoffsLookup xmlns="4873beb7-5857-4685-be1f-d57550cc96cc" xsi:nil="true"/>
+    <IsSearchable xmlns="4873beb7-5857-4685-be1f-d57550cc96cc">true</IsSearchable>
+    <TemplateTemplateType xmlns="4873beb7-5857-4685-be1f-d57550cc96cc">PowerPoint Presentation Template</TemplateTemplateType>
+    <CampaignTagsTaxHTField0 xmlns="4873beb7-5857-4685-be1f-d57550cc96cc">
+      <Terms xmlns="http://schemas.microsoft.com/office/infopath/2007/PartnerControls"/>
+    </CampaignTagsTaxHTField0>
+    <TPNamespace xmlns="4873beb7-5857-4685-be1f-d57550cc96cc" xsi:nil="true"/>
+    <LocOverallPreviewStatusLookup xmlns="4873beb7-5857-4685-be1f-d57550cc96cc" xsi:nil="true"/>
+    <TaxCatchAll xmlns="4873beb7-5857-4685-be1f-d57550cc96cc"/>
+    <Markets xmlns="4873beb7-5857-4685-be1f-d57550cc96cc"/>
+    <UAProjectedTotalWords xmlns="4873beb7-5857-4685-be1f-d57550cc96cc" xsi:nil="true"/>
+    <IntlLangReview xmlns="4873beb7-5857-4685-be1f-d57550cc96cc" xsi:nil="true"/>
+    <OutputCachingOn xmlns="4873beb7-5857-4685-be1f-d57550cc96cc">false</OutputCachingOn>
+    <AverageRating xmlns="4873beb7-5857-4685-be1f-d57550cc96cc" xsi:nil="true"/>
+    <APAuthor xmlns="4873beb7-5857-4685-be1f-d57550cc96cc">
+      <UserInfo>
+        <DisplayName>REDMOND\kristaa</DisplayName>
+        <AccountId>136</AccountId>
+        <AccountType/>
+      </UserInfo>
+    </APAuthor>
+    <LocManualTestRequired xmlns="4873beb7-5857-4685-be1f-d57550cc96cc">false</LocManualTestRequired>
+    <TPCommandLine xmlns="4873beb7-5857-4685-be1f-d57550cc96cc" xsi:nil="true"/>
+    <TPAppVersion xmlns="4873beb7-5857-4685-be1f-d57550cc96cc" xsi:nil="true"/>
+    <EditorialStatus xmlns="4873beb7-5857-4685-be1f-d57550cc96cc">Complete</EditorialStatus>
+    <LastModifiedDateTime xmlns="4873beb7-5857-4685-be1f-d57550cc96cc" xsi:nil="true"/>
+    <ScenarioTagsTaxHTField0 xmlns="4873beb7-5857-4685-be1f-d57550cc96cc">
+      <Terms xmlns="http://schemas.microsoft.com/office/infopath/2007/PartnerControls"/>
+    </ScenarioTagsTaxHTField0>
+    <LocProcessedForMarketsLookup xmlns="4873beb7-5857-4685-be1f-d57550cc96cc" xsi:nil="true"/>
+    <TPLaunchHelpLinkType xmlns="4873beb7-5857-4685-be1f-d57550cc96cc">Template</TPLaunchHelpLinkType>
+    <OriginalRelease xmlns="4873beb7-5857-4685-be1f-d57550cc96cc">15</OriginalRelease>
+    <LocalizationTagsTaxHTField0 xmlns="4873beb7-5857-4685-be1f-d57550cc96cc">
+      <Terms xmlns="http://schemas.microsoft.com/office/infopath/2007/PartnerControls"/>
+    </LocalizationTagsTaxHTField0>
+    <UACurrentWords xmlns="4873beb7-5857-4685-be1f-d57550cc96cc" xsi:nil="true"/>
+    <ArtSampleDocs xmlns="4873beb7-5857-4685-be1f-d57550cc96cc" xsi:nil="true"/>
+    <UALocRecommendation xmlns="4873beb7-5857-4685-be1f-d57550cc96cc">Localize</UALocRecommendation>
+    <Manager xmlns="4873beb7-5857-4685-be1f-d57550cc96cc" xsi:nil="true"/>
+    <LocOverallHandbackStatusLookup xmlns="4873beb7-5857-4685-be1f-d57550cc96cc" xsi:nil="true"/>
+    <ShowIn xmlns="4873beb7-5857-4685-be1f-d57550cc96cc">Show everywhere</ShowIn>
+    <UANotes xmlns="4873beb7-5857-4685-be1f-d57550cc96cc" xsi:nil="true"/>
+    <InternalTagsTaxHTField0 xmlns="4873beb7-5857-4685-be1f-d57550cc96cc">
+      <Terms xmlns="http://schemas.microsoft.com/office/infopath/2007/PartnerControls"/>
+    </InternalTagsTaxHTField0>
+    <CSXHash xmlns="4873beb7-5857-4685-be1f-d57550cc96cc" xsi:nil="true"/>
+    <VoteCount xmlns="4873beb7-5857-4685-be1f-d57550cc96cc" xsi:nil="true"/>
+    <AssetExpire xmlns="4873beb7-5857-4685-be1f-d57550cc96cc">2029-05-12T07:00:00+00:00</AssetExpire>
+    <DSATActionTaken xmlns="4873beb7-5857-4685-be1f-d57550cc96cc" xsi:nil="true"/>
+    <CSXSubmissionMarket xmlns="4873beb7-5857-4685-be1f-d57550cc96cc" xsi:nil="true"/>
+    <LocMarketGroupTiers2 xmlns="4873beb7-5857-4685-be1f-d57550cc96cc" xsi:nil="true"/>
+  </documentManagement>
+</p:properties>
+</file>
+
 <file path=customXml/item3.xml><?xml version="1.0" encoding="utf-8"?>
 <?mso-contentType ?>
 <FormTemplates xmlns="http://schemas.microsoft.com/sharepoint/v3/contenttype/forms">
@@ -23776,22 +23630,6 @@
 </file>
 
 <file path=customXml/itemProps1.xml><?xml version="1.0" encoding="utf-8"?>
-<ds:datastoreItem xmlns:ds="http://schemas.openxmlformats.org/officeDocument/2006/customXml" ds:itemID="{60C67BEE-D13F-4BD2-98A5-34D8A0977F68}">
-  <ds:schemaRefs>
-    <ds:schemaRef ds:uri="http://purl.org/dc/dcmitype/"/>
-    <ds:schemaRef ds:uri="http://www.w3.org/XML/1998/namespace"/>
-    <ds:schemaRef ds:uri="http://schemas.openxmlformats.org/package/2006/metadata/core-properties"/>
-    <ds:schemaRef ds:uri="http://purl.org/dc/elements/1.1/"/>
-    <ds:schemaRef ds:uri="http://schemas.microsoft.com/office/infopath/2007/PartnerControls"/>
-    <ds:schemaRef ds:uri="http://purl.org/dc/terms/"/>
-    <ds:schemaRef ds:uri="http://schemas.microsoft.com/office/2006/documentManagement/types"/>
-    <ds:schemaRef ds:uri="4873beb7-5857-4685-be1f-d57550cc96cc"/>
-    <ds:schemaRef ds:uri="http://schemas.microsoft.com/office/2006/metadata/properties"/>
-  </ds:schemaRefs>
-</ds:datastoreItem>
-</file>
-
-<file path=customXml/itemProps2.xml><?xml version="1.0" encoding="utf-8"?>
 <ds:datastoreItem xmlns:ds="http://schemas.openxmlformats.org/officeDocument/2006/customXml" ds:itemID="{A09BF4D4-EF60-4196-BFC3-9462D607978C}">
   <ds:schemaRefs>
     <ds:schemaRef ds:uri="http://schemas.microsoft.com/office/2006/metadata/contentType"/>
@@ -23809,6 +23647,22 @@
 </ds:datastoreItem>
 </file>
 
+<file path=customXml/itemProps2.xml><?xml version="1.0" encoding="utf-8"?>
+<ds:datastoreItem xmlns:ds="http://schemas.openxmlformats.org/officeDocument/2006/customXml" ds:itemID="{60C67BEE-D13F-4BD2-98A5-34D8A0977F68}">
+  <ds:schemaRefs>
+    <ds:schemaRef ds:uri="http://purl.org/dc/dcmitype/"/>
+    <ds:schemaRef ds:uri="http://www.w3.org/XML/1998/namespace"/>
+    <ds:schemaRef ds:uri="http://schemas.openxmlformats.org/package/2006/metadata/core-properties"/>
+    <ds:schemaRef ds:uri="http://purl.org/dc/elements/1.1/"/>
+    <ds:schemaRef ds:uri="http://schemas.microsoft.com/office/infopath/2007/PartnerControls"/>
+    <ds:schemaRef ds:uri="http://purl.org/dc/terms/"/>
+    <ds:schemaRef ds:uri="http://schemas.microsoft.com/office/2006/documentManagement/types"/>
+    <ds:schemaRef ds:uri="4873beb7-5857-4685-be1f-d57550cc96cc"/>
+    <ds:schemaRef ds:uri="http://schemas.microsoft.com/office/2006/metadata/properties"/>
+  </ds:schemaRefs>
+</ds:datastoreItem>
+</file>
+
 <file path=customXml/itemProps3.xml><?xml version="1.0" encoding="utf-8"?>
 <ds:datastoreItem xmlns:ds="http://schemas.openxmlformats.org/officeDocument/2006/customXml" ds:itemID="{3836F65B-1B07-41EE-A0E8-BC6EF3855225}">
   <ds:schemaRefs>

--- a/2019.12.20_esp32-cam/ESP32-CAM-AI影像辨識應用_20191212.pptx
+++ b/2019.12.20_esp32-cam/ESP32-CAM-AI影像辨識應用_20191212.pptx
@@ -14110,7 +14110,97 @@
                   </a:schemeClr>
                 </a:solidFill>
               </a:rPr>
-              <a:t> 雲端硬碟</a:t>
+              <a:t> 雲端</a:t>
+            </a:r>
+            <a:r>
+              <a:rPr lang="zh-TW" altLang="en-US" sz="3600" dirty="0" smtClean="0">
+                <a:solidFill>
+                  <a:schemeClr val="accent2">
+                    <a:lumMod val="60000"/>
+                    <a:lumOff val="40000"/>
+                  </a:schemeClr>
+                </a:solidFill>
+              </a:rPr>
+              <a:t>硬碟</a:t>
+            </a:r>
+            <a:endParaRPr lang="en-US" altLang="zh-TW" sz="3600" dirty="0" smtClean="0">
+              <a:solidFill>
+                <a:schemeClr val="accent2">
+                  <a:lumMod val="60000"/>
+                  <a:lumOff val="40000"/>
+                </a:schemeClr>
+              </a:solidFill>
+            </a:endParaRPr>
+          </a:p>
+          <a:p>
+            <a:pPr marL="0" indent="0">
+              <a:buNone/>
+            </a:pPr>
+            <a:r>
+              <a:rPr lang="en-US" altLang="zh-TW" sz="3600" dirty="0" smtClean="0">
+                <a:solidFill>
+                  <a:schemeClr val="accent2">
+                    <a:lumMod val="60000"/>
+                    <a:lumOff val="40000"/>
+                  </a:schemeClr>
+                </a:solidFill>
+              </a:rPr>
+              <a:t>(6) </a:t>
+            </a:r>
+            <a:r>
+              <a:rPr lang="zh-TW" altLang="en-US" sz="3600" dirty="0">
+                <a:solidFill>
+                  <a:schemeClr val="accent2">
+                    <a:lumMod val="60000"/>
+                    <a:lumOff val="40000"/>
+                  </a:schemeClr>
+                </a:solidFill>
+              </a:rPr>
+              <a:t>自訂</a:t>
+            </a:r>
+            <a:r>
+              <a:rPr lang="zh-TW" altLang="en-US" sz="3600" dirty="0" smtClean="0">
+                <a:solidFill>
+                  <a:schemeClr val="accent2">
+                    <a:lumMod val="60000"/>
+                    <a:lumOff val="40000"/>
+                  </a:schemeClr>
+                </a:solidFill>
+              </a:rPr>
+              <a:t>指令儲存畫面</a:t>
+            </a:r>
+            <a:r>
+              <a:rPr lang="zh-TW" altLang="en-US" sz="3600" dirty="0">
+                <a:solidFill>
+                  <a:schemeClr val="accent2">
+                    <a:lumMod val="60000"/>
+                    <a:lumOff val="40000"/>
+                  </a:schemeClr>
+                </a:solidFill>
+              </a:rPr>
+              <a:t>至 </a:t>
+            </a:r>
+            <a:r>
+              <a:rPr lang="en-US" altLang="zh-TW" sz="3600" dirty="0" err="1" smtClean="0">
+                <a:solidFill>
+                  <a:schemeClr val="accent2">
+                    <a:lumMod val="60000"/>
+                    <a:lumOff val="40000"/>
+                  </a:schemeClr>
+                </a:solidFill>
+              </a:rPr>
+              <a:t>TF</a:t>
+            </a:r>
+            <a:r>
+              <a:rPr lang="zh-TW" altLang="en-US" sz="3600" smtClean="0">
+                <a:solidFill>
+                  <a:schemeClr val="accent2">
+                    <a:lumMod val="60000"/>
+                    <a:lumOff val="40000"/>
+                  </a:schemeClr>
+                </a:solidFill>
+              </a:rPr>
+              <a:t>卡</a:t>
             </a:r>
             <a:endParaRPr lang="en-US" altLang="zh-TW" sz="3600" dirty="0">
               <a:solidFill>
@@ -22445,6 +22535,142 @@
 </file>
 
 <file path=customXml/item1.xml><?xml version="1.0" encoding="utf-8"?>
+<p:properties xmlns:p="http://schemas.microsoft.com/office/2006/metadata/properties" xmlns:xsi="http://www.w3.org/2001/XMLSchema-instance" xmlns:pc="http://schemas.microsoft.com/office/infopath/2007/PartnerControls">
+  <documentManagement>
+    <LocPublishedLinkedAssetsLookup xmlns="4873beb7-5857-4685-be1f-d57550cc96cc" xsi:nil="true"/>
+    <ApprovalStatus xmlns="4873beb7-5857-4685-be1f-d57550cc96cc">InProgress</ApprovalStatus>
+    <MarketSpecific xmlns="4873beb7-5857-4685-be1f-d57550cc96cc">false</MarketSpecific>
+    <LocComments xmlns="4873beb7-5857-4685-be1f-d57550cc96cc" xsi:nil="true"/>
+    <LocLastLocAttemptVersionTypeLookup xmlns="4873beb7-5857-4685-be1f-d57550cc96cc" xsi:nil="true"/>
+    <DirectSourceMarket xmlns="4873beb7-5857-4685-be1f-d57550cc96cc" xsi:nil="true"/>
+    <ThumbnailAssetId xmlns="4873beb7-5857-4685-be1f-d57550cc96cc" xsi:nil="true"/>
+    <PrimaryImageGen xmlns="4873beb7-5857-4685-be1f-d57550cc96cc">false</PrimaryImageGen>
+    <LocNewPublishedVersionLookup xmlns="4873beb7-5857-4685-be1f-d57550cc96cc" xsi:nil="true"/>
+    <LegacyData xmlns="4873beb7-5857-4685-be1f-d57550cc96cc" xsi:nil="true"/>
+    <LocRecommendedHandoff xmlns="4873beb7-5857-4685-be1f-d57550cc96cc" xsi:nil="true"/>
+    <BusinessGroup xmlns="4873beb7-5857-4685-be1f-d57550cc96cc" xsi:nil="true"/>
+    <BlockPublish xmlns="4873beb7-5857-4685-be1f-d57550cc96cc">false</BlockPublish>
+    <TPFriendlyName xmlns="4873beb7-5857-4685-be1f-d57550cc96cc" xsi:nil="true"/>
+    <LocOverallPublishStatusLookup xmlns="4873beb7-5857-4685-be1f-d57550cc96cc" xsi:nil="true"/>
+    <NumericId xmlns="4873beb7-5857-4685-be1f-d57550cc96cc" xsi:nil="true"/>
+    <APEditor xmlns="4873beb7-5857-4685-be1f-d57550cc96cc">
+      <UserInfo>
+        <DisplayName/>
+        <AccountId xsi:nil="true"/>
+        <AccountType/>
+      </UserInfo>
+    </APEditor>
+    <SourceTitle xmlns="4873beb7-5857-4685-be1f-d57550cc96cc" xsi:nil="true"/>
+    <OpenTemplate xmlns="4873beb7-5857-4685-be1f-d57550cc96cc">true</OpenTemplate>
+    <LocOverallLocStatusLookup xmlns="4873beb7-5857-4685-be1f-d57550cc96cc" xsi:nil="true"/>
+    <UALocComments xmlns="4873beb7-5857-4685-be1f-d57550cc96cc" xsi:nil="true"/>
+    <ParentAssetId xmlns="4873beb7-5857-4685-be1f-d57550cc96cc" xsi:nil="true"/>
+    <IntlLangReviewDate xmlns="4873beb7-5857-4685-be1f-d57550cc96cc" xsi:nil="true"/>
+    <FeatureTagsTaxHTField0 xmlns="4873beb7-5857-4685-be1f-d57550cc96cc">
+      <Terms xmlns="http://schemas.microsoft.com/office/infopath/2007/PartnerControls"/>
+    </FeatureTagsTaxHTField0>
+    <PublishStatusLookup xmlns="4873beb7-5857-4685-be1f-d57550cc96cc">
+      <Value>1345093</Value>
+    </PublishStatusLookup>
+    <Providers xmlns="4873beb7-5857-4685-be1f-d57550cc96cc" xsi:nil="true"/>
+    <MachineTranslated xmlns="4873beb7-5857-4685-be1f-d57550cc96cc">false</MachineTranslated>
+    <OriginalSourceMarket xmlns="4873beb7-5857-4685-be1f-d57550cc96cc" xsi:nil="true"/>
+    <APDescription xmlns="4873beb7-5857-4685-be1f-d57550cc96cc">This simple template design works for technology and  businesses, but it's versatile enough to use in other contexts.  It features multiple slide layouts designed for widescreen (16x9 resolution) and includes a sample SmartArt list and chart that are easily editable.</APDescription>
+    <ClipArtFilename xmlns="4873beb7-5857-4685-be1f-d57550cc96cc" xsi:nil="true"/>
+    <ContentItem xmlns="4873beb7-5857-4685-be1f-d57550cc96cc" xsi:nil="true"/>
+    <TPInstallLocation xmlns="4873beb7-5857-4685-be1f-d57550cc96cc" xsi:nil="true"/>
+    <PublishTargets xmlns="4873beb7-5857-4685-be1f-d57550cc96cc">OfficeOnlineVNext</PublishTargets>
+    <TimesCloned xmlns="4873beb7-5857-4685-be1f-d57550cc96cc" xsi:nil="true"/>
+    <AssetStart xmlns="4873beb7-5857-4685-be1f-d57550cc96cc">2011-11-26T00:30:00+00:00</AssetStart>
+    <Provider xmlns="4873beb7-5857-4685-be1f-d57550cc96cc" xsi:nil="true"/>
+    <AcquiredFrom xmlns="4873beb7-5857-4685-be1f-d57550cc96cc">Internal MS</AcquiredFrom>
+    <FriendlyTitle xmlns="4873beb7-5857-4685-be1f-d57550cc96cc" xsi:nil="true"/>
+    <LastHandOff xmlns="4873beb7-5857-4685-be1f-d57550cc96cc" xsi:nil="true"/>
+    <TPClientViewer xmlns="4873beb7-5857-4685-be1f-d57550cc96cc" xsi:nil="true"/>
+    <TemplateStatus xmlns="4873beb7-5857-4685-be1f-d57550cc96cc">Complete</TemplateStatus>
+    <Downloads xmlns="4873beb7-5857-4685-be1f-d57550cc96cc">0</Downloads>
+    <OOCacheId xmlns="4873beb7-5857-4685-be1f-d57550cc96cc" xsi:nil="true"/>
+    <IsDeleted xmlns="4873beb7-5857-4685-be1f-d57550cc96cc">false</IsDeleted>
+    <LocPublishedDependentAssetsLookup xmlns="4873beb7-5857-4685-be1f-d57550cc96cc" xsi:nil="true"/>
+    <TPExecutable xmlns="4873beb7-5857-4685-be1f-d57550cc96cc" xsi:nil="true"/>
+    <EditorialTags xmlns="4873beb7-5857-4685-be1f-d57550cc96cc" xsi:nil="true"/>
+    <SubmitterId xmlns="4873beb7-5857-4685-be1f-d57550cc96cc" xsi:nil="true"/>
+    <ApprovalLog xmlns="4873beb7-5857-4685-be1f-d57550cc96cc" xsi:nil="true"/>
+    <AssetType xmlns="4873beb7-5857-4685-be1f-d57550cc96cc">TP</AssetType>
+    <BugNumber xmlns="4873beb7-5857-4685-be1f-d57550cc96cc" xsi:nil="true"/>
+    <CSXSubmissionDate xmlns="4873beb7-5857-4685-be1f-d57550cc96cc" xsi:nil="true"/>
+    <CSXUpdate xmlns="4873beb7-5857-4685-be1f-d57550cc96cc">false</CSXUpdate>
+    <Milestone xmlns="4873beb7-5857-4685-be1f-d57550cc96cc" xsi:nil="true"/>
+    <RecommendationsModifier xmlns="4873beb7-5857-4685-be1f-d57550cc96cc" xsi:nil="true"/>
+    <OriginAsset xmlns="4873beb7-5857-4685-be1f-d57550cc96cc" xsi:nil="true"/>
+    <TPComponent xmlns="4873beb7-5857-4685-be1f-d57550cc96cc" xsi:nil="true"/>
+    <AssetId xmlns="4873beb7-5857-4685-be1f-d57550cc96cc">TP102787989</AssetId>
+    <IntlLocPriority xmlns="4873beb7-5857-4685-be1f-d57550cc96cc" xsi:nil="true"/>
+    <PolicheckWords xmlns="4873beb7-5857-4685-be1f-d57550cc96cc" xsi:nil="true"/>
+    <TPLaunchHelpLink xmlns="4873beb7-5857-4685-be1f-d57550cc96cc" xsi:nil="true"/>
+    <TPApplication xmlns="4873beb7-5857-4685-be1f-d57550cc96cc" xsi:nil="true"/>
+    <CrawlForDependencies xmlns="4873beb7-5857-4685-be1f-d57550cc96cc">false</CrawlForDependencies>
+    <HandoffToMSDN xmlns="4873beb7-5857-4685-be1f-d57550cc96cc" xsi:nil="true"/>
+    <PlannedPubDate xmlns="4873beb7-5857-4685-be1f-d57550cc96cc" xsi:nil="true"/>
+    <IntlLangReviewer xmlns="4873beb7-5857-4685-be1f-d57550cc96cc" xsi:nil="true"/>
+    <TrustLevel xmlns="4873beb7-5857-4685-be1f-d57550cc96cc">1 Microsoft Managed Content</TrustLevel>
+    <LocLastLocAttemptVersionLookup xmlns="4873beb7-5857-4685-be1f-d57550cc96cc">694266</LocLastLocAttemptVersionLookup>
+    <LocProcessedForHandoffsLookup xmlns="4873beb7-5857-4685-be1f-d57550cc96cc" xsi:nil="true"/>
+    <IsSearchable xmlns="4873beb7-5857-4685-be1f-d57550cc96cc">true</IsSearchable>
+    <TemplateTemplateType xmlns="4873beb7-5857-4685-be1f-d57550cc96cc">PowerPoint Presentation Template</TemplateTemplateType>
+    <CampaignTagsTaxHTField0 xmlns="4873beb7-5857-4685-be1f-d57550cc96cc">
+      <Terms xmlns="http://schemas.microsoft.com/office/infopath/2007/PartnerControls"/>
+    </CampaignTagsTaxHTField0>
+    <TPNamespace xmlns="4873beb7-5857-4685-be1f-d57550cc96cc" xsi:nil="true"/>
+    <LocOverallPreviewStatusLookup xmlns="4873beb7-5857-4685-be1f-d57550cc96cc" xsi:nil="true"/>
+    <TaxCatchAll xmlns="4873beb7-5857-4685-be1f-d57550cc96cc"/>
+    <Markets xmlns="4873beb7-5857-4685-be1f-d57550cc96cc"/>
+    <UAProjectedTotalWords xmlns="4873beb7-5857-4685-be1f-d57550cc96cc" xsi:nil="true"/>
+    <IntlLangReview xmlns="4873beb7-5857-4685-be1f-d57550cc96cc" xsi:nil="true"/>
+    <OutputCachingOn xmlns="4873beb7-5857-4685-be1f-d57550cc96cc">false</OutputCachingOn>
+    <AverageRating xmlns="4873beb7-5857-4685-be1f-d57550cc96cc" xsi:nil="true"/>
+    <APAuthor xmlns="4873beb7-5857-4685-be1f-d57550cc96cc">
+      <UserInfo>
+        <DisplayName>REDMOND\kristaa</DisplayName>
+        <AccountId>136</AccountId>
+        <AccountType/>
+      </UserInfo>
+    </APAuthor>
+    <LocManualTestRequired xmlns="4873beb7-5857-4685-be1f-d57550cc96cc">false</LocManualTestRequired>
+    <TPCommandLine xmlns="4873beb7-5857-4685-be1f-d57550cc96cc" xsi:nil="true"/>
+    <TPAppVersion xmlns="4873beb7-5857-4685-be1f-d57550cc96cc" xsi:nil="true"/>
+    <EditorialStatus xmlns="4873beb7-5857-4685-be1f-d57550cc96cc">Complete</EditorialStatus>
+    <LastModifiedDateTime xmlns="4873beb7-5857-4685-be1f-d57550cc96cc" xsi:nil="true"/>
+    <ScenarioTagsTaxHTField0 xmlns="4873beb7-5857-4685-be1f-d57550cc96cc">
+      <Terms xmlns="http://schemas.microsoft.com/office/infopath/2007/PartnerControls"/>
+    </ScenarioTagsTaxHTField0>
+    <LocProcessedForMarketsLookup xmlns="4873beb7-5857-4685-be1f-d57550cc96cc" xsi:nil="true"/>
+    <TPLaunchHelpLinkType xmlns="4873beb7-5857-4685-be1f-d57550cc96cc">Template</TPLaunchHelpLinkType>
+    <OriginalRelease xmlns="4873beb7-5857-4685-be1f-d57550cc96cc">15</OriginalRelease>
+    <LocalizationTagsTaxHTField0 xmlns="4873beb7-5857-4685-be1f-d57550cc96cc">
+      <Terms xmlns="http://schemas.microsoft.com/office/infopath/2007/PartnerControls"/>
+    </LocalizationTagsTaxHTField0>
+    <UACurrentWords xmlns="4873beb7-5857-4685-be1f-d57550cc96cc" xsi:nil="true"/>
+    <ArtSampleDocs xmlns="4873beb7-5857-4685-be1f-d57550cc96cc" xsi:nil="true"/>
+    <UALocRecommendation xmlns="4873beb7-5857-4685-be1f-d57550cc96cc">Localize</UALocRecommendation>
+    <Manager xmlns="4873beb7-5857-4685-be1f-d57550cc96cc" xsi:nil="true"/>
+    <LocOverallHandbackStatusLookup xmlns="4873beb7-5857-4685-be1f-d57550cc96cc" xsi:nil="true"/>
+    <ShowIn xmlns="4873beb7-5857-4685-be1f-d57550cc96cc">Show everywhere</ShowIn>
+    <UANotes xmlns="4873beb7-5857-4685-be1f-d57550cc96cc" xsi:nil="true"/>
+    <InternalTagsTaxHTField0 xmlns="4873beb7-5857-4685-be1f-d57550cc96cc">
+      <Terms xmlns="http://schemas.microsoft.com/office/infopath/2007/PartnerControls"/>
+    </InternalTagsTaxHTField0>
+    <CSXHash xmlns="4873beb7-5857-4685-be1f-d57550cc96cc" xsi:nil="true"/>
+    <VoteCount xmlns="4873beb7-5857-4685-be1f-d57550cc96cc" xsi:nil="true"/>
+    <AssetExpire xmlns="4873beb7-5857-4685-be1f-d57550cc96cc">2029-05-12T07:00:00+00:00</AssetExpire>
+    <DSATActionTaken xmlns="4873beb7-5857-4685-be1f-d57550cc96cc" xsi:nil="true"/>
+    <CSXSubmissionMarket xmlns="4873beb7-5857-4685-be1f-d57550cc96cc" xsi:nil="true"/>
+    <LocMarketGroupTiers2 xmlns="4873beb7-5857-4685-be1f-d57550cc96cc" xsi:nil="true"/>
+  </documentManagement>
+</p:properties>
+</file>
+
+<file path=customXml/item2.xml><?xml version="1.0" encoding="utf-8"?>
 <ct:contentTypeSchema xmlns:ct="http://schemas.microsoft.com/office/2006/metadata/contentType" xmlns:ma="http://schemas.microsoft.com/office/2006/metadata/properties/metaAttributes" ct:_="" ma:_="" ma:contentTypeName="TemplateFile" ma:contentTypeID="0x0101006EDDDB5EE6D98C44930B742096920B300400F5B6D36B3EF94B4E9A635CDF2A18F5B8" ma:contentTypeVersion="72" ma:contentTypeDescription="Create a new document." ma:contentTypeScope="" ma:versionID="a23e56308344d904b51738559c3d67c9">
   <xsd:schema xmlns:xsd="http://www.w3.org/2001/XMLSchema" xmlns:xs="http://www.w3.org/2001/XMLSchema" xmlns:p="http://schemas.microsoft.com/office/2006/metadata/properties" xmlns:ns2="4873beb7-5857-4685-be1f-d57550cc96cc" targetNamespace="http://schemas.microsoft.com/office/2006/metadata/properties" ma:root="true" ma:fieldsID="cd0908cc4600e77bf5da051303e00c8d" ns2:_="">
     <xsd:import namespace="4873beb7-5857-4685-be1f-d57550cc96cc"/>
@@ -23484,142 +23710,6 @@
 </ct:contentTypeSchema>
 </file>
 
-<file path=customXml/item2.xml><?xml version="1.0" encoding="utf-8"?>
-<p:properties xmlns:p="http://schemas.microsoft.com/office/2006/metadata/properties" xmlns:xsi="http://www.w3.org/2001/XMLSchema-instance" xmlns:pc="http://schemas.microsoft.com/office/infopath/2007/PartnerControls">
-  <documentManagement>
-    <LocPublishedLinkedAssetsLookup xmlns="4873beb7-5857-4685-be1f-d57550cc96cc" xsi:nil="true"/>
-    <ApprovalStatus xmlns="4873beb7-5857-4685-be1f-d57550cc96cc">InProgress</ApprovalStatus>
-    <MarketSpecific xmlns="4873beb7-5857-4685-be1f-d57550cc96cc">false</MarketSpecific>
-    <LocComments xmlns="4873beb7-5857-4685-be1f-d57550cc96cc" xsi:nil="true"/>
-    <LocLastLocAttemptVersionTypeLookup xmlns="4873beb7-5857-4685-be1f-d57550cc96cc" xsi:nil="true"/>
-    <DirectSourceMarket xmlns="4873beb7-5857-4685-be1f-d57550cc96cc" xsi:nil="true"/>
-    <ThumbnailAssetId xmlns="4873beb7-5857-4685-be1f-d57550cc96cc" xsi:nil="true"/>
-    <PrimaryImageGen xmlns="4873beb7-5857-4685-be1f-d57550cc96cc">false</PrimaryImageGen>
-    <LocNewPublishedVersionLookup xmlns="4873beb7-5857-4685-be1f-d57550cc96cc" xsi:nil="true"/>
-    <LegacyData xmlns="4873beb7-5857-4685-be1f-d57550cc96cc" xsi:nil="true"/>
-    <LocRecommendedHandoff xmlns="4873beb7-5857-4685-be1f-d57550cc96cc" xsi:nil="true"/>
-    <BusinessGroup xmlns="4873beb7-5857-4685-be1f-d57550cc96cc" xsi:nil="true"/>
-    <BlockPublish xmlns="4873beb7-5857-4685-be1f-d57550cc96cc">false</BlockPublish>
-    <TPFriendlyName xmlns="4873beb7-5857-4685-be1f-d57550cc96cc" xsi:nil="true"/>
-    <LocOverallPublishStatusLookup xmlns="4873beb7-5857-4685-be1f-d57550cc96cc" xsi:nil="true"/>
-    <NumericId xmlns="4873beb7-5857-4685-be1f-d57550cc96cc" xsi:nil="true"/>
-    <APEditor xmlns="4873beb7-5857-4685-be1f-d57550cc96cc">
-      <UserInfo>
-        <DisplayName/>
-        <AccountId xsi:nil="true"/>
-        <AccountType/>
-      </UserInfo>
-    </APEditor>
-    <SourceTitle xmlns="4873beb7-5857-4685-be1f-d57550cc96cc" xsi:nil="true"/>
-    <OpenTemplate xmlns="4873beb7-5857-4685-be1f-d57550cc96cc">true</OpenTemplate>
-    <LocOverallLocStatusLookup xmlns="4873beb7-5857-4685-be1f-d57550cc96cc" xsi:nil="true"/>
-    <UALocComments xmlns="4873beb7-5857-4685-be1f-d57550cc96cc" xsi:nil="true"/>
-    <ParentAssetId xmlns="4873beb7-5857-4685-be1f-d57550cc96cc" xsi:nil="true"/>
-    <IntlLangReviewDate xmlns="4873beb7-5857-4685-be1f-d57550cc96cc" xsi:nil="true"/>
-    <FeatureTagsTaxHTField0 xmlns="4873beb7-5857-4685-be1f-d57550cc96cc">
-      <Terms xmlns="http://schemas.microsoft.com/office/infopath/2007/PartnerControls"/>
-    </FeatureTagsTaxHTField0>
-    <PublishStatusLookup xmlns="4873beb7-5857-4685-be1f-d57550cc96cc">
-      <Value>1345093</Value>
-    </PublishStatusLookup>
-    <Providers xmlns="4873beb7-5857-4685-be1f-d57550cc96cc" xsi:nil="true"/>
-    <MachineTranslated xmlns="4873beb7-5857-4685-be1f-d57550cc96cc">false</MachineTranslated>
-    <OriginalSourceMarket xmlns="4873beb7-5857-4685-be1f-d57550cc96cc" xsi:nil="true"/>
-    <APDescription xmlns="4873beb7-5857-4685-be1f-d57550cc96cc">This simple template design works for technology and  businesses, but it's versatile enough to use in other contexts.  It features multiple slide layouts designed for widescreen (16x9 resolution) and includes a sample SmartArt list and chart that are easily editable.</APDescription>
-    <ClipArtFilename xmlns="4873beb7-5857-4685-be1f-d57550cc96cc" xsi:nil="true"/>
-    <ContentItem xmlns="4873beb7-5857-4685-be1f-d57550cc96cc" xsi:nil="true"/>
-    <TPInstallLocation xmlns="4873beb7-5857-4685-be1f-d57550cc96cc" xsi:nil="true"/>
-    <PublishTargets xmlns="4873beb7-5857-4685-be1f-d57550cc96cc">OfficeOnlineVNext</PublishTargets>
-    <TimesCloned xmlns="4873beb7-5857-4685-be1f-d57550cc96cc" xsi:nil="true"/>
-    <AssetStart xmlns="4873beb7-5857-4685-be1f-d57550cc96cc">2011-11-26T00:30:00+00:00</AssetStart>
-    <Provider xmlns="4873beb7-5857-4685-be1f-d57550cc96cc" xsi:nil="true"/>
-    <AcquiredFrom xmlns="4873beb7-5857-4685-be1f-d57550cc96cc">Internal MS</AcquiredFrom>
-    <FriendlyTitle xmlns="4873beb7-5857-4685-be1f-d57550cc96cc" xsi:nil="true"/>
-    <LastHandOff xmlns="4873beb7-5857-4685-be1f-d57550cc96cc" xsi:nil="true"/>
-    <TPClientViewer xmlns="4873beb7-5857-4685-be1f-d57550cc96cc" xsi:nil="true"/>
-    <TemplateStatus xmlns="4873beb7-5857-4685-be1f-d57550cc96cc">Complete</TemplateStatus>
-    <Downloads xmlns="4873beb7-5857-4685-be1f-d57550cc96cc">0</Downloads>
-    <OOCacheId xmlns="4873beb7-5857-4685-be1f-d57550cc96cc" xsi:nil="true"/>
-    <IsDeleted xmlns="4873beb7-5857-4685-be1f-d57550cc96cc">false</IsDeleted>
-    <LocPublishedDependentAssetsLookup xmlns="4873beb7-5857-4685-be1f-d57550cc96cc" xsi:nil="true"/>
-    <TPExecutable xmlns="4873beb7-5857-4685-be1f-d57550cc96cc" xsi:nil="true"/>
-    <EditorialTags xmlns="4873beb7-5857-4685-be1f-d57550cc96cc" xsi:nil="true"/>
-    <SubmitterId xmlns="4873beb7-5857-4685-be1f-d57550cc96cc" xsi:nil="true"/>
-    <ApprovalLog xmlns="4873beb7-5857-4685-be1f-d57550cc96cc" xsi:nil="true"/>
-    <AssetType xmlns="4873beb7-5857-4685-be1f-d57550cc96cc">TP</AssetType>
-    <BugNumber xmlns="4873beb7-5857-4685-be1f-d57550cc96cc" xsi:nil="true"/>
-    <CSXSubmissionDate xmlns="4873beb7-5857-4685-be1f-d57550cc96cc" xsi:nil="true"/>
-    <CSXUpdate xmlns="4873beb7-5857-4685-be1f-d57550cc96cc">false</CSXUpdate>
-    <Milestone xmlns="4873beb7-5857-4685-be1f-d57550cc96cc" xsi:nil="true"/>
-    <RecommendationsModifier xmlns="4873beb7-5857-4685-be1f-d57550cc96cc" xsi:nil="true"/>
-    <OriginAsset xmlns="4873beb7-5857-4685-be1f-d57550cc96cc" xsi:nil="true"/>
-    <TPComponent xmlns="4873beb7-5857-4685-be1f-d57550cc96cc" xsi:nil="true"/>
-    <AssetId xmlns="4873beb7-5857-4685-be1f-d57550cc96cc">TP102787989</AssetId>
-    <IntlLocPriority xmlns="4873beb7-5857-4685-be1f-d57550cc96cc" xsi:nil="true"/>
-    <PolicheckWords xmlns="4873beb7-5857-4685-be1f-d57550cc96cc" xsi:nil="true"/>
-    <TPLaunchHelpLink xmlns="4873beb7-5857-4685-be1f-d57550cc96cc" xsi:nil="true"/>
-    <TPApplication xmlns="4873beb7-5857-4685-be1f-d57550cc96cc" xsi:nil="true"/>
-    <CrawlForDependencies xmlns="4873beb7-5857-4685-be1f-d57550cc96cc">false</CrawlForDependencies>
-    <HandoffToMSDN xmlns="4873beb7-5857-4685-be1f-d57550cc96cc" xsi:nil="true"/>
-    <PlannedPubDate xmlns="4873beb7-5857-4685-be1f-d57550cc96cc" xsi:nil="true"/>
-    <IntlLangReviewer xmlns="4873beb7-5857-4685-be1f-d57550cc96cc" xsi:nil="true"/>
-    <TrustLevel xmlns="4873beb7-5857-4685-be1f-d57550cc96cc">1 Microsoft Managed Content</TrustLevel>
-    <LocLastLocAttemptVersionLookup xmlns="4873beb7-5857-4685-be1f-d57550cc96cc">694266</LocLastLocAttemptVersionLookup>
-    <LocProcessedForHandoffsLookup xmlns="4873beb7-5857-4685-be1f-d57550cc96cc" xsi:nil="true"/>
-    <IsSearchable xmlns="4873beb7-5857-4685-be1f-d57550cc96cc">true</IsSearchable>
-    <TemplateTemplateType xmlns="4873beb7-5857-4685-be1f-d57550cc96cc">PowerPoint Presentation Template</TemplateTemplateType>
-    <CampaignTagsTaxHTField0 xmlns="4873beb7-5857-4685-be1f-d57550cc96cc">
-      <Terms xmlns="http://schemas.microsoft.com/office/infopath/2007/PartnerControls"/>
-    </CampaignTagsTaxHTField0>
-    <TPNamespace xmlns="4873beb7-5857-4685-be1f-d57550cc96cc" xsi:nil="true"/>
-    <LocOverallPreviewStatusLookup xmlns="4873beb7-5857-4685-be1f-d57550cc96cc" xsi:nil="true"/>
-    <TaxCatchAll xmlns="4873beb7-5857-4685-be1f-d57550cc96cc"/>
-    <Markets xmlns="4873beb7-5857-4685-be1f-d57550cc96cc"/>
-    <UAProjectedTotalWords xmlns="4873beb7-5857-4685-be1f-d57550cc96cc" xsi:nil="true"/>
-    <IntlLangReview xmlns="4873beb7-5857-4685-be1f-d57550cc96cc" xsi:nil="true"/>
-    <OutputCachingOn xmlns="4873beb7-5857-4685-be1f-d57550cc96cc">false</OutputCachingOn>
-    <AverageRating xmlns="4873beb7-5857-4685-be1f-d57550cc96cc" xsi:nil="true"/>
-    <APAuthor xmlns="4873beb7-5857-4685-be1f-d57550cc96cc">
-      <UserInfo>
-        <DisplayName>REDMOND\kristaa</DisplayName>
-        <AccountId>136</AccountId>
-        <AccountType/>
-      </UserInfo>
-    </APAuthor>
-    <LocManualTestRequired xmlns="4873beb7-5857-4685-be1f-d57550cc96cc">false</LocManualTestRequired>
-    <TPCommandLine xmlns="4873beb7-5857-4685-be1f-d57550cc96cc" xsi:nil="true"/>
-    <TPAppVersion xmlns="4873beb7-5857-4685-be1f-d57550cc96cc" xsi:nil="true"/>
-    <EditorialStatus xmlns="4873beb7-5857-4685-be1f-d57550cc96cc">Complete</EditorialStatus>
-    <LastModifiedDateTime xmlns="4873beb7-5857-4685-be1f-d57550cc96cc" xsi:nil="true"/>
-    <ScenarioTagsTaxHTField0 xmlns="4873beb7-5857-4685-be1f-d57550cc96cc">
-      <Terms xmlns="http://schemas.microsoft.com/office/infopath/2007/PartnerControls"/>
-    </ScenarioTagsTaxHTField0>
-    <LocProcessedForMarketsLookup xmlns="4873beb7-5857-4685-be1f-d57550cc96cc" xsi:nil="true"/>
-    <TPLaunchHelpLinkType xmlns="4873beb7-5857-4685-be1f-d57550cc96cc">Template</TPLaunchHelpLinkType>
-    <OriginalRelease xmlns="4873beb7-5857-4685-be1f-d57550cc96cc">15</OriginalRelease>
-    <LocalizationTagsTaxHTField0 xmlns="4873beb7-5857-4685-be1f-d57550cc96cc">
-      <Terms xmlns="http://schemas.microsoft.com/office/infopath/2007/PartnerControls"/>
-    </LocalizationTagsTaxHTField0>
-    <UACurrentWords xmlns="4873beb7-5857-4685-be1f-d57550cc96cc" xsi:nil="true"/>
-    <ArtSampleDocs xmlns="4873beb7-5857-4685-be1f-d57550cc96cc" xsi:nil="true"/>
-    <UALocRecommendation xmlns="4873beb7-5857-4685-be1f-d57550cc96cc">Localize</UALocRecommendation>
-    <Manager xmlns="4873beb7-5857-4685-be1f-d57550cc96cc" xsi:nil="true"/>
-    <LocOverallHandbackStatusLookup xmlns="4873beb7-5857-4685-be1f-d57550cc96cc" xsi:nil="true"/>
-    <ShowIn xmlns="4873beb7-5857-4685-be1f-d57550cc96cc">Show everywhere</ShowIn>
-    <UANotes xmlns="4873beb7-5857-4685-be1f-d57550cc96cc" xsi:nil="true"/>
-    <InternalTagsTaxHTField0 xmlns="4873beb7-5857-4685-be1f-d57550cc96cc">
-      <Terms xmlns="http://schemas.microsoft.com/office/infopath/2007/PartnerControls"/>
-    </InternalTagsTaxHTField0>
-    <CSXHash xmlns="4873beb7-5857-4685-be1f-d57550cc96cc" xsi:nil="true"/>
-    <VoteCount xmlns="4873beb7-5857-4685-be1f-d57550cc96cc" xsi:nil="true"/>
-    <AssetExpire xmlns="4873beb7-5857-4685-be1f-d57550cc96cc">2029-05-12T07:00:00+00:00</AssetExpire>
-    <DSATActionTaken xmlns="4873beb7-5857-4685-be1f-d57550cc96cc" xsi:nil="true"/>
-    <CSXSubmissionMarket xmlns="4873beb7-5857-4685-be1f-d57550cc96cc" xsi:nil="true"/>
-    <LocMarketGroupTiers2 xmlns="4873beb7-5857-4685-be1f-d57550cc96cc" xsi:nil="true"/>
-  </documentManagement>
-</p:properties>
-</file>
-
 <file path=customXml/item3.xml><?xml version="1.0" encoding="utf-8"?>
 <?mso-contentType ?>
 <FormTemplates xmlns="http://schemas.microsoft.com/sharepoint/v3/contenttype/forms">
@@ -23630,6 +23720,22 @@
 </file>
 
 <file path=customXml/itemProps1.xml><?xml version="1.0" encoding="utf-8"?>
+<ds:datastoreItem xmlns:ds="http://schemas.openxmlformats.org/officeDocument/2006/customXml" ds:itemID="{60C67BEE-D13F-4BD2-98A5-34D8A0977F68}">
+  <ds:schemaRefs>
+    <ds:schemaRef ds:uri="http://purl.org/dc/dcmitype/"/>
+    <ds:schemaRef ds:uri="http://www.w3.org/XML/1998/namespace"/>
+    <ds:schemaRef ds:uri="http://schemas.openxmlformats.org/package/2006/metadata/core-properties"/>
+    <ds:schemaRef ds:uri="http://purl.org/dc/elements/1.1/"/>
+    <ds:schemaRef ds:uri="http://schemas.microsoft.com/office/infopath/2007/PartnerControls"/>
+    <ds:schemaRef ds:uri="http://purl.org/dc/terms/"/>
+    <ds:schemaRef ds:uri="http://schemas.microsoft.com/office/2006/documentManagement/types"/>
+    <ds:schemaRef ds:uri="4873beb7-5857-4685-be1f-d57550cc96cc"/>
+    <ds:schemaRef ds:uri="http://schemas.microsoft.com/office/2006/metadata/properties"/>
+  </ds:schemaRefs>
+</ds:datastoreItem>
+</file>
+
+<file path=customXml/itemProps2.xml><?xml version="1.0" encoding="utf-8"?>
 <ds:datastoreItem xmlns:ds="http://schemas.openxmlformats.org/officeDocument/2006/customXml" ds:itemID="{A09BF4D4-EF60-4196-BFC3-9462D607978C}">
   <ds:schemaRefs>
     <ds:schemaRef ds:uri="http://schemas.microsoft.com/office/2006/metadata/contentType"/>
@@ -23647,22 +23753,6 @@
 </ds:datastoreItem>
 </file>
 
-<file path=customXml/itemProps2.xml><?xml version="1.0" encoding="utf-8"?>
-<ds:datastoreItem xmlns:ds="http://schemas.openxmlformats.org/officeDocument/2006/customXml" ds:itemID="{60C67BEE-D13F-4BD2-98A5-34D8A0977F68}">
-  <ds:schemaRefs>
-    <ds:schemaRef ds:uri="http://purl.org/dc/dcmitype/"/>
-    <ds:schemaRef ds:uri="http://www.w3.org/XML/1998/namespace"/>
-    <ds:schemaRef ds:uri="http://schemas.openxmlformats.org/package/2006/metadata/core-properties"/>
-    <ds:schemaRef ds:uri="http://purl.org/dc/elements/1.1/"/>
-    <ds:schemaRef ds:uri="http://schemas.microsoft.com/office/infopath/2007/PartnerControls"/>
-    <ds:schemaRef ds:uri="http://purl.org/dc/terms/"/>
-    <ds:schemaRef ds:uri="http://schemas.microsoft.com/office/2006/documentManagement/types"/>
-    <ds:schemaRef ds:uri="4873beb7-5857-4685-be1f-d57550cc96cc"/>
-    <ds:schemaRef ds:uri="http://schemas.microsoft.com/office/2006/metadata/properties"/>
-  </ds:schemaRefs>
-</ds:datastoreItem>
-</file>
-
 <file path=customXml/itemProps3.xml><?xml version="1.0" encoding="utf-8"?>
 <ds:datastoreItem xmlns:ds="http://schemas.openxmlformats.org/officeDocument/2006/customXml" ds:itemID="{3836F65B-1B07-41EE-A0E8-BC6EF3855225}">
   <ds:schemaRefs>

--- a/2019.12.20_esp32-cam/ESP32-CAM-AI影像辨識應用_20191212.pptx
+++ b/2019.12.20_esp32-cam/ESP32-CAM-AI影像辨識應用_20191212.pptx
@@ -14595,7 +14595,7 @@
         <p:spPr>
           <a:xfrm>
             <a:off x="1485900" y="620688"/>
-            <a:ext cx="9937104" cy="6525344"/>
+            <a:ext cx="9937104" cy="5976664"/>
           </a:xfrm>
         </p:spPr>
         <p:txBody>
@@ -15046,60 +15046,38 @@
               <a:rPr lang="en-US" altLang="zh-TW" sz="2400" dirty="0">
                 <a:hlinkClick r:id="rId5"/>
               </a:rPr>
-              <a:t>https://</a:t>
+              <a:t>https://github.com/</a:t>
             </a:r>
             <a:r>
               <a:rPr lang="en-US" altLang="zh-TW" sz="2400" dirty="0" err="1">
                 <a:hlinkClick r:id="rId5"/>
               </a:rPr>
-              <a:t>github.com</a:t>
+              <a:t>fustyles</a:t>
             </a:r>
             <a:r>
               <a:rPr lang="en-US" altLang="zh-TW" sz="2400" dirty="0">
                 <a:hlinkClick r:id="rId5"/>
               </a:rPr>
-              <a:t>/</a:t>
+              <a:t>/Workshop/tree/master/</a:t>
             </a:r>
             <a:r>
               <a:rPr lang="en-US" altLang="zh-TW" sz="2400" dirty="0" err="1">
                 <a:hlinkClick r:id="rId5"/>
               </a:rPr>
-              <a:t>fustyles</a:t>
+              <a:t>2019.12.20_esp32</a:t>
             </a:r>
             <a:r>
               <a:rPr lang="en-US" altLang="zh-TW" sz="2400" dirty="0">
                 <a:hlinkClick r:id="rId5"/>
               </a:rPr>
-              <a:t>/Arduino/tree/master/</a:t>
+              <a:t>-cam/</a:t>
             </a:r>
             <a:r>
               <a:rPr lang="en-US" altLang="zh-TW" sz="2400" dirty="0" err="1">
                 <a:hlinkClick r:id="rId5"/>
               </a:rPr>
-              <a:t>ESP32-CAM_Webduino</a:t>
-            </a:r>
-            <a:r>
-              <a:rPr lang="en-US" altLang="zh-TW" sz="2400" dirty="0">
-                <a:hlinkClick r:id="rId5"/>
-              </a:rPr>
-              <a:t>/</a:t>
-            </a:r>
-            <a:r>
-              <a:rPr lang="en-US" altLang="zh-TW" sz="2400" dirty="0" err="1">
-                <a:hlinkClick r:id="rId5"/>
-              </a:rPr>
               <a:t>ESP32-CAM_coco-ssd_ObjectTrackingCar_mqtt</a:t>
             </a:r>
-            <a:endParaRPr lang="en-US" altLang="zh-TW" sz="2100" dirty="0" smtClean="0">
-              <a:solidFill>
-                <a:srgbClr val="00B0F0"/>
-              </a:solidFill>
-            </a:endParaRPr>
-          </a:p>
-          <a:p>
-            <a:pPr marL="0" indent="0">
-              <a:buNone/>
-            </a:pPr>
             <a:r>
               <a:rPr lang="zh-TW" altLang="en-US" sz="3600" dirty="0" smtClean="0">
                 <a:solidFill>
@@ -22535,142 +22513,6 @@
 </file>
 
 <file path=customXml/item1.xml><?xml version="1.0" encoding="utf-8"?>
-<p:properties xmlns:p="http://schemas.microsoft.com/office/2006/metadata/properties" xmlns:xsi="http://www.w3.org/2001/XMLSchema-instance" xmlns:pc="http://schemas.microsoft.com/office/infopath/2007/PartnerControls">
-  <documentManagement>
-    <LocPublishedLinkedAssetsLookup xmlns="4873beb7-5857-4685-be1f-d57550cc96cc" xsi:nil="true"/>
-    <ApprovalStatus xmlns="4873beb7-5857-4685-be1f-d57550cc96cc">InProgress</ApprovalStatus>
-    <MarketSpecific xmlns="4873beb7-5857-4685-be1f-d57550cc96cc">false</MarketSpecific>
-    <LocComments xmlns="4873beb7-5857-4685-be1f-d57550cc96cc" xsi:nil="true"/>
-    <LocLastLocAttemptVersionTypeLookup xmlns="4873beb7-5857-4685-be1f-d57550cc96cc" xsi:nil="true"/>
-    <DirectSourceMarket xmlns="4873beb7-5857-4685-be1f-d57550cc96cc" xsi:nil="true"/>
-    <ThumbnailAssetId xmlns="4873beb7-5857-4685-be1f-d57550cc96cc" xsi:nil="true"/>
-    <PrimaryImageGen xmlns="4873beb7-5857-4685-be1f-d57550cc96cc">false</PrimaryImageGen>
-    <LocNewPublishedVersionLookup xmlns="4873beb7-5857-4685-be1f-d57550cc96cc" xsi:nil="true"/>
-    <LegacyData xmlns="4873beb7-5857-4685-be1f-d57550cc96cc" xsi:nil="true"/>
-    <LocRecommendedHandoff xmlns="4873beb7-5857-4685-be1f-d57550cc96cc" xsi:nil="true"/>
-    <BusinessGroup xmlns="4873beb7-5857-4685-be1f-d57550cc96cc" xsi:nil="true"/>
-    <BlockPublish xmlns="4873beb7-5857-4685-be1f-d57550cc96cc">false</BlockPublish>
-    <TPFriendlyName xmlns="4873beb7-5857-4685-be1f-d57550cc96cc" xsi:nil="true"/>
-    <LocOverallPublishStatusLookup xmlns="4873beb7-5857-4685-be1f-d57550cc96cc" xsi:nil="true"/>
-    <NumericId xmlns="4873beb7-5857-4685-be1f-d57550cc96cc" xsi:nil="true"/>
-    <APEditor xmlns="4873beb7-5857-4685-be1f-d57550cc96cc">
-      <UserInfo>
-        <DisplayName/>
-        <AccountId xsi:nil="true"/>
-        <AccountType/>
-      </UserInfo>
-    </APEditor>
-    <SourceTitle xmlns="4873beb7-5857-4685-be1f-d57550cc96cc" xsi:nil="true"/>
-    <OpenTemplate xmlns="4873beb7-5857-4685-be1f-d57550cc96cc">true</OpenTemplate>
-    <LocOverallLocStatusLookup xmlns="4873beb7-5857-4685-be1f-d57550cc96cc" xsi:nil="true"/>
-    <UALocComments xmlns="4873beb7-5857-4685-be1f-d57550cc96cc" xsi:nil="true"/>
-    <ParentAssetId xmlns="4873beb7-5857-4685-be1f-d57550cc96cc" xsi:nil="true"/>
-    <IntlLangReviewDate xmlns="4873beb7-5857-4685-be1f-d57550cc96cc" xsi:nil="true"/>
-    <FeatureTagsTaxHTField0 xmlns="4873beb7-5857-4685-be1f-d57550cc96cc">
-      <Terms xmlns="http://schemas.microsoft.com/office/infopath/2007/PartnerControls"/>
-    </FeatureTagsTaxHTField0>
-    <PublishStatusLookup xmlns="4873beb7-5857-4685-be1f-d57550cc96cc">
-      <Value>1345093</Value>
-    </PublishStatusLookup>
-    <Providers xmlns="4873beb7-5857-4685-be1f-d57550cc96cc" xsi:nil="true"/>
-    <MachineTranslated xmlns="4873beb7-5857-4685-be1f-d57550cc96cc">false</MachineTranslated>
-    <OriginalSourceMarket xmlns="4873beb7-5857-4685-be1f-d57550cc96cc" xsi:nil="true"/>
-    <APDescription xmlns="4873beb7-5857-4685-be1f-d57550cc96cc">This simple template design works for technology and  businesses, but it's versatile enough to use in other contexts.  It features multiple slide layouts designed for widescreen (16x9 resolution) and includes a sample SmartArt list and chart that are easily editable.</APDescription>
-    <ClipArtFilename xmlns="4873beb7-5857-4685-be1f-d57550cc96cc" xsi:nil="true"/>
-    <ContentItem xmlns="4873beb7-5857-4685-be1f-d57550cc96cc" xsi:nil="true"/>
-    <TPInstallLocation xmlns="4873beb7-5857-4685-be1f-d57550cc96cc" xsi:nil="true"/>
-    <PublishTargets xmlns="4873beb7-5857-4685-be1f-d57550cc96cc">OfficeOnlineVNext</PublishTargets>
-    <TimesCloned xmlns="4873beb7-5857-4685-be1f-d57550cc96cc" xsi:nil="true"/>
-    <AssetStart xmlns="4873beb7-5857-4685-be1f-d57550cc96cc">2011-11-26T00:30:00+00:00</AssetStart>
-    <Provider xmlns="4873beb7-5857-4685-be1f-d57550cc96cc" xsi:nil="true"/>
-    <AcquiredFrom xmlns="4873beb7-5857-4685-be1f-d57550cc96cc">Internal MS</AcquiredFrom>
-    <FriendlyTitle xmlns="4873beb7-5857-4685-be1f-d57550cc96cc" xsi:nil="true"/>
-    <LastHandOff xmlns="4873beb7-5857-4685-be1f-d57550cc96cc" xsi:nil="true"/>
-    <TPClientViewer xmlns="4873beb7-5857-4685-be1f-d57550cc96cc" xsi:nil="true"/>
-    <TemplateStatus xmlns="4873beb7-5857-4685-be1f-d57550cc96cc">Complete</TemplateStatus>
-    <Downloads xmlns="4873beb7-5857-4685-be1f-d57550cc96cc">0</Downloads>
-    <OOCacheId xmlns="4873beb7-5857-4685-be1f-d57550cc96cc" xsi:nil="true"/>
-    <IsDeleted xmlns="4873beb7-5857-4685-be1f-d57550cc96cc">false</IsDeleted>
-    <LocPublishedDependentAssetsLookup xmlns="4873beb7-5857-4685-be1f-d57550cc96cc" xsi:nil="true"/>
-    <TPExecutable xmlns="4873beb7-5857-4685-be1f-d57550cc96cc" xsi:nil="true"/>
-    <EditorialTags xmlns="4873beb7-5857-4685-be1f-d57550cc96cc" xsi:nil="true"/>
-    <SubmitterId xmlns="4873beb7-5857-4685-be1f-d57550cc96cc" xsi:nil="true"/>
-    <ApprovalLog xmlns="4873beb7-5857-4685-be1f-d57550cc96cc" xsi:nil="true"/>
-    <AssetType xmlns="4873beb7-5857-4685-be1f-d57550cc96cc">TP</AssetType>
-    <BugNumber xmlns="4873beb7-5857-4685-be1f-d57550cc96cc" xsi:nil="true"/>
-    <CSXSubmissionDate xmlns="4873beb7-5857-4685-be1f-d57550cc96cc" xsi:nil="true"/>
-    <CSXUpdate xmlns="4873beb7-5857-4685-be1f-d57550cc96cc">false</CSXUpdate>
-    <Milestone xmlns="4873beb7-5857-4685-be1f-d57550cc96cc" xsi:nil="true"/>
-    <RecommendationsModifier xmlns="4873beb7-5857-4685-be1f-d57550cc96cc" xsi:nil="true"/>
-    <OriginAsset xmlns="4873beb7-5857-4685-be1f-d57550cc96cc" xsi:nil="true"/>
-    <TPComponent xmlns="4873beb7-5857-4685-be1f-d57550cc96cc" xsi:nil="true"/>
-    <AssetId xmlns="4873beb7-5857-4685-be1f-d57550cc96cc">TP102787989</AssetId>
-    <IntlLocPriority xmlns="4873beb7-5857-4685-be1f-d57550cc96cc" xsi:nil="true"/>
-    <PolicheckWords xmlns="4873beb7-5857-4685-be1f-d57550cc96cc" xsi:nil="true"/>
-    <TPLaunchHelpLink xmlns="4873beb7-5857-4685-be1f-d57550cc96cc" xsi:nil="true"/>
-    <TPApplication xmlns="4873beb7-5857-4685-be1f-d57550cc96cc" xsi:nil="true"/>
-    <CrawlForDependencies xmlns="4873beb7-5857-4685-be1f-d57550cc96cc">false</CrawlForDependencies>
-    <HandoffToMSDN xmlns="4873beb7-5857-4685-be1f-d57550cc96cc" xsi:nil="true"/>
-    <PlannedPubDate xmlns="4873beb7-5857-4685-be1f-d57550cc96cc" xsi:nil="true"/>
-    <IntlLangReviewer xmlns="4873beb7-5857-4685-be1f-d57550cc96cc" xsi:nil="true"/>
-    <TrustLevel xmlns="4873beb7-5857-4685-be1f-d57550cc96cc">1 Microsoft Managed Content</TrustLevel>
-    <LocLastLocAttemptVersionLookup xmlns="4873beb7-5857-4685-be1f-d57550cc96cc">694266</LocLastLocAttemptVersionLookup>
-    <LocProcessedForHandoffsLookup xmlns="4873beb7-5857-4685-be1f-d57550cc96cc" xsi:nil="true"/>
-    <IsSearchable xmlns="4873beb7-5857-4685-be1f-d57550cc96cc">true</IsSearchable>
-    <TemplateTemplateType xmlns="4873beb7-5857-4685-be1f-d57550cc96cc">PowerPoint Presentation Template</TemplateTemplateType>
-    <CampaignTagsTaxHTField0 xmlns="4873beb7-5857-4685-be1f-d57550cc96cc">
-      <Terms xmlns="http://schemas.microsoft.com/office/infopath/2007/PartnerControls"/>
-    </CampaignTagsTaxHTField0>
-    <TPNamespace xmlns="4873beb7-5857-4685-be1f-d57550cc96cc" xsi:nil="true"/>
-    <LocOverallPreviewStatusLookup xmlns="4873beb7-5857-4685-be1f-d57550cc96cc" xsi:nil="true"/>
-    <TaxCatchAll xmlns="4873beb7-5857-4685-be1f-d57550cc96cc"/>
-    <Markets xmlns="4873beb7-5857-4685-be1f-d57550cc96cc"/>
-    <UAProjectedTotalWords xmlns="4873beb7-5857-4685-be1f-d57550cc96cc" xsi:nil="true"/>
-    <IntlLangReview xmlns="4873beb7-5857-4685-be1f-d57550cc96cc" xsi:nil="true"/>
-    <OutputCachingOn xmlns="4873beb7-5857-4685-be1f-d57550cc96cc">false</OutputCachingOn>
-    <AverageRating xmlns="4873beb7-5857-4685-be1f-d57550cc96cc" xsi:nil="true"/>
-    <APAuthor xmlns="4873beb7-5857-4685-be1f-d57550cc96cc">
-      <UserInfo>
-        <DisplayName>REDMOND\kristaa</DisplayName>
-        <AccountId>136</AccountId>
-        <AccountType/>
-      </UserInfo>
-    </APAuthor>
-    <LocManualTestRequired xmlns="4873beb7-5857-4685-be1f-d57550cc96cc">false</LocManualTestRequired>
-    <TPCommandLine xmlns="4873beb7-5857-4685-be1f-d57550cc96cc" xsi:nil="true"/>
-    <TPAppVersion xmlns="4873beb7-5857-4685-be1f-d57550cc96cc" xsi:nil="true"/>
-    <EditorialStatus xmlns="4873beb7-5857-4685-be1f-d57550cc96cc">Complete</EditorialStatus>
-    <LastModifiedDateTime xmlns="4873beb7-5857-4685-be1f-d57550cc96cc" xsi:nil="true"/>
-    <ScenarioTagsTaxHTField0 xmlns="4873beb7-5857-4685-be1f-d57550cc96cc">
-      <Terms xmlns="http://schemas.microsoft.com/office/infopath/2007/PartnerControls"/>
-    </ScenarioTagsTaxHTField0>
-    <LocProcessedForMarketsLookup xmlns="4873beb7-5857-4685-be1f-d57550cc96cc" xsi:nil="true"/>
-    <TPLaunchHelpLinkType xmlns="4873beb7-5857-4685-be1f-d57550cc96cc">Template</TPLaunchHelpLinkType>
-    <OriginalRelease xmlns="4873beb7-5857-4685-be1f-d57550cc96cc">15</OriginalRelease>
-    <LocalizationTagsTaxHTField0 xmlns="4873beb7-5857-4685-be1f-d57550cc96cc">
-      <Terms xmlns="http://schemas.microsoft.com/office/infopath/2007/PartnerControls"/>
-    </LocalizationTagsTaxHTField0>
-    <UACurrentWords xmlns="4873beb7-5857-4685-be1f-d57550cc96cc" xsi:nil="true"/>
-    <ArtSampleDocs xmlns="4873beb7-5857-4685-be1f-d57550cc96cc" xsi:nil="true"/>
-    <UALocRecommendation xmlns="4873beb7-5857-4685-be1f-d57550cc96cc">Localize</UALocRecommendation>
-    <Manager xmlns="4873beb7-5857-4685-be1f-d57550cc96cc" xsi:nil="true"/>
-    <LocOverallHandbackStatusLookup xmlns="4873beb7-5857-4685-be1f-d57550cc96cc" xsi:nil="true"/>
-    <ShowIn xmlns="4873beb7-5857-4685-be1f-d57550cc96cc">Show everywhere</ShowIn>
-    <UANotes xmlns="4873beb7-5857-4685-be1f-d57550cc96cc" xsi:nil="true"/>
-    <InternalTagsTaxHTField0 xmlns="4873beb7-5857-4685-be1f-d57550cc96cc">
-      <Terms xmlns="http://schemas.microsoft.com/office/infopath/2007/PartnerControls"/>
-    </InternalTagsTaxHTField0>
-    <CSXHash xmlns="4873beb7-5857-4685-be1f-d57550cc96cc" xsi:nil="true"/>
-    <VoteCount xmlns="4873beb7-5857-4685-be1f-d57550cc96cc" xsi:nil="true"/>
-    <AssetExpire xmlns="4873beb7-5857-4685-be1f-d57550cc96cc">2029-05-12T07:00:00+00:00</AssetExpire>
-    <DSATActionTaken xmlns="4873beb7-5857-4685-be1f-d57550cc96cc" xsi:nil="true"/>
-    <CSXSubmissionMarket xmlns="4873beb7-5857-4685-be1f-d57550cc96cc" xsi:nil="true"/>
-    <LocMarketGroupTiers2 xmlns="4873beb7-5857-4685-be1f-d57550cc96cc" xsi:nil="true"/>
-  </documentManagement>
-</p:properties>
-</file>
-
-<file path=customXml/item2.xml><?xml version="1.0" encoding="utf-8"?>
 <ct:contentTypeSchema xmlns:ct="http://schemas.microsoft.com/office/2006/metadata/contentType" xmlns:ma="http://schemas.microsoft.com/office/2006/metadata/properties/metaAttributes" ct:_="" ma:_="" ma:contentTypeName="TemplateFile" ma:contentTypeID="0x0101006EDDDB5EE6D98C44930B742096920B300400F5B6D36B3EF94B4E9A635CDF2A18F5B8" ma:contentTypeVersion="72" ma:contentTypeDescription="Create a new document." ma:contentTypeScope="" ma:versionID="a23e56308344d904b51738559c3d67c9">
   <xsd:schema xmlns:xsd="http://www.w3.org/2001/XMLSchema" xmlns:xs="http://www.w3.org/2001/XMLSchema" xmlns:p="http://schemas.microsoft.com/office/2006/metadata/properties" xmlns:ns2="4873beb7-5857-4685-be1f-d57550cc96cc" targetNamespace="http://schemas.microsoft.com/office/2006/metadata/properties" ma:root="true" ma:fieldsID="cd0908cc4600e77bf5da051303e00c8d" ns2:_="">
     <xsd:import namespace="4873beb7-5857-4685-be1f-d57550cc96cc"/>
@@ -23710,6 +23552,142 @@
 </ct:contentTypeSchema>
 </file>
 
+<file path=customXml/item2.xml><?xml version="1.0" encoding="utf-8"?>
+<p:properties xmlns:p="http://schemas.microsoft.com/office/2006/metadata/properties" xmlns:xsi="http://www.w3.org/2001/XMLSchema-instance" xmlns:pc="http://schemas.microsoft.com/office/infopath/2007/PartnerControls">
+  <documentManagement>
+    <LocPublishedLinkedAssetsLookup xmlns="4873beb7-5857-4685-be1f-d57550cc96cc" xsi:nil="true"/>
+    <ApprovalStatus xmlns="4873beb7-5857-4685-be1f-d57550cc96cc">InProgress</ApprovalStatus>
+    <MarketSpecific xmlns="4873beb7-5857-4685-be1f-d57550cc96cc">false</MarketSpecific>
+    <LocComments xmlns="4873beb7-5857-4685-be1f-d57550cc96cc" xsi:nil="true"/>
+    <LocLastLocAttemptVersionTypeLookup xmlns="4873beb7-5857-4685-be1f-d57550cc96cc" xsi:nil="true"/>
+    <DirectSourceMarket xmlns="4873beb7-5857-4685-be1f-d57550cc96cc" xsi:nil="true"/>
+    <ThumbnailAssetId xmlns="4873beb7-5857-4685-be1f-d57550cc96cc" xsi:nil="true"/>
+    <PrimaryImageGen xmlns="4873beb7-5857-4685-be1f-d57550cc96cc">false</PrimaryImageGen>
+    <LocNewPublishedVersionLookup xmlns="4873beb7-5857-4685-be1f-d57550cc96cc" xsi:nil="true"/>
+    <LegacyData xmlns="4873beb7-5857-4685-be1f-d57550cc96cc" xsi:nil="true"/>
+    <LocRecommendedHandoff xmlns="4873beb7-5857-4685-be1f-d57550cc96cc" xsi:nil="true"/>
+    <BusinessGroup xmlns="4873beb7-5857-4685-be1f-d57550cc96cc" xsi:nil="true"/>
+    <BlockPublish xmlns="4873beb7-5857-4685-be1f-d57550cc96cc">false</BlockPublish>
+    <TPFriendlyName xmlns="4873beb7-5857-4685-be1f-d57550cc96cc" xsi:nil="true"/>
+    <LocOverallPublishStatusLookup xmlns="4873beb7-5857-4685-be1f-d57550cc96cc" xsi:nil="true"/>
+    <NumericId xmlns="4873beb7-5857-4685-be1f-d57550cc96cc" xsi:nil="true"/>
+    <APEditor xmlns="4873beb7-5857-4685-be1f-d57550cc96cc">
+      <UserInfo>
+        <DisplayName/>
+        <AccountId xsi:nil="true"/>
+        <AccountType/>
+      </UserInfo>
+    </APEditor>
+    <SourceTitle xmlns="4873beb7-5857-4685-be1f-d57550cc96cc" xsi:nil="true"/>
+    <OpenTemplate xmlns="4873beb7-5857-4685-be1f-d57550cc96cc">true</OpenTemplate>
+    <LocOverallLocStatusLookup xmlns="4873beb7-5857-4685-be1f-d57550cc96cc" xsi:nil="true"/>
+    <UALocComments xmlns="4873beb7-5857-4685-be1f-d57550cc96cc" xsi:nil="true"/>
+    <ParentAssetId xmlns="4873beb7-5857-4685-be1f-d57550cc96cc" xsi:nil="true"/>
+    <IntlLangReviewDate xmlns="4873beb7-5857-4685-be1f-d57550cc96cc" xsi:nil="true"/>
+    <FeatureTagsTaxHTField0 xmlns="4873beb7-5857-4685-be1f-d57550cc96cc">
+      <Terms xmlns="http://schemas.microsoft.com/office/infopath/2007/PartnerControls"/>
+    </FeatureTagsTaxHTField0>
+    <PublishStatusLookup xmlns="4873beb7-5857-4685-be1f-d57550cc96cc">
+      <Value>1345093</Value>
+    </PublishStatusLookup>
+    <Providers xmlns="4873beb7-5857-4685-be1f-d57550cc96cc" xsi:nil="true"/>
+    <MachineTranslated xmlns="4873beb7-5857-4685-be1f-d57550cc96cc">false</MachineTranslated>
+    <OriginalSourceMarket xmlns="4873beb7-5857-4685-be1f-d57550cc96cc" xsi:nil="true"/>
+    <APDescription xmlns="4873beb7-5857-4685-be1f-d57550cc96cc">This simple template design works for technology and  businesses, but it's versatile enough to use in other contexts.  It features multiple slide layouts designed for widescreen (16x9 resolution) and includes a sample SmartArt list and chart that are easily editable.</APDescription>
+    <ClipArtFilename xmlns="4873beb7-5857-4685-be1f-d57550cc96cc" xsi:nil="true"/>
+    <ContentItem xmlns="4873beb7-5857-4685-be1f-d57550cc96cc" xsi:nil="true"/>
+    <TPInstallLocation xmlns="4873beb7-5857-4685-be1f-d57550cc96cc" xsi:nil="true"/>
+    <PublishTargets xmlns="4873beb7-5857-4685-be1f-d57550cc96cc">OfficeOnlineVNext</PublishTargets>
+    <TimesCloned xmlns="4873beb7-5857-4685-be1f-d57550cc96cc" xsi:nil="true"/>
+    <AssetStart xmlns="4873beb7-5857-4685-be1f-d57550cc96cc">2011-11-26T00:30:00+00:00</AssetStart>
+    <Provider xmlns="4873beb7-5857-4685-be1f-d57550cc96cc" xsi:nil="true"/>
+    <AcquiredFrom xmlns="4873beb7-5857-4685-be1f-d57550cc96cc">Internal MS</AcquiredFrom>
+    <FriendlyTitle xmlns="4873beb7-5857-4685-be1f-d57550cc96cc" xsi:nil="true"/>
+    <LastHandOff xmlns="4873beb7-5857-4685-be1f-d57550cc96cc" xsi:nil="true"/>
+    <TPClientViewer xmlns="4873beb7-5857-4685-be1f-d57550cc96cc" xsi:nil="true"/>
+    <TemplateStatus xmlns="4873beb7-5857-4685-be1f-d57550cc96cc">Complete</TemplateStatus>
+    <Downloads xmlns="4873beb7-5857-4685-be1f-d57550cc96cc">0</Downloads>
+    <OOCacheId xmlns="4873beb7-5857-4685-be1f-d57550cc96cc" xsi:nil="true"/>
+    <IsDeleted xmlns="4873beb7-5857-4685-be1f-d57550cc96cc">false</IsDeleted>
+    <LocPublishedDependentAssetsLookup xmlns="4873beb7-5857-4685-be1f-d57550cc96cc" xsi:nil="true"/>
+    <TPExecutable xmlns="4873beb7-5857-4685-be1f-d57550cc96cc" xsi:nil="true"/>
+    <EditorialTags xmlns="4873beb7-5857-4685-be1f-d57550cc96cc" xsi:nil="true"/>
+    <SubmitterId xmlns="4873beb7-5857-4685-be1f-d57550cc96cc" xsi:nil="true"/>
+    <ApprovalLog xmlns="4873beb7-5857-4685-be1f-d57550cc96cc" xsi:nil="true"/>
+    <AssetType xmlns="4873beb7-5857-4685-be1f-d57550cc96cc">TP</AssetType>
+    <BugNumber xmlns="4873beb7-5857-4685-be1f-d57550cc96cc" xsi:nil="true"/>
+    <CSXSubmissionDate xmlns="4873beb7-5857-4685-be1f-d57550cc96cc" xsi:nil="true"/>
+    <CSXUpdate xmlns="4873beb7-5857-4685-be1f-d57550cc96cc">false</CSXUpdate>
+    <Milestone xmlns="4873beb7-5857-4685-be1f-d57550cc96cc" xsi:nil="true"/>
+    <RecommendationsModifier xmlns="4873beb7-5857-4685-be1f-d57550cc96cc" xsi:nil="true"/>
+    <OriginAsset xmlns="4873beb7-5857-4685-be1f-d57550cc96cc" xsi:nil="true"/>
+    <TPComponent xmlns="4873beb7-5857-4685-be1f-d57550cc96cc" xsi:nil="true"/>
+    <AssetId xmlns="4873beb7-5857-4685-be1f-d57550cc96cc">TP102787989</AssetId>
+    <IntlLocPriority xmlns="4873beb7-5857-4685-be1f-d57550cc96cc" xsi:nil="true"/>
+    <PolicheckWords xmlns="4873beb7-5857-4685-be1f-d57550cc96cc" xsi:nil="true"/>
+    <TPLaunchHelpLink xmlns="4873beb7-5857-4685-be1f-d57550cc96cc" xsi:nil="true"/>
+    <TPApplication xmlns="4873beb7-5857-4685-be1f-d57550cc96cc" xsi:nil="true"/>
+    <CrawlForDependencies xmlns="4873beb7-5857-4685-be1f-d57550cc96cc">false</CrawlForDependencies>
+    <HandoffToMSDN xmlns="4873beb7-5857-4685-be1f-d57550cc96cc" xsi:nil="true"/>
+    <PlannedPubDate xmlns="4873beb7-5857-4685-be1f-d57550cc96cc" xsi:nil="true"/>
+    <IntlLangReviewer xmlns="4873beb7-5857-4685-be1f-d57550cc96cc" xsi:nil="true"/>
+    <TrustLevel xmlns="4873beb7-5857-4685-be1f-d57550cc96cc">1 Microsoft Managed Content</TrustLevel>
+    <LocLastLocAttemptVersionLookup xmlns="4873beb7-5857-4685-be1f-d57550cc96cc">694266</LocLastLocAttemptVersionLookup>
+    <LocProcessedForHandoffsLookup xmlns="4873beb7-5857-4685-be1f-d57550cc96cc" xsi:nil="true"/>
+    <IsSearchable xmlns="4873beb7-5857-4685-be1f-d57550cc96cc">true</IsSearchable>
+    <TemplateTemplateType xmlns="4873beb7-5857-4685-be1f-d57550cc96cc">PowerPoint Presentation Template</TemplateTemplateType>
+    <CampaignTagsTaxHTField0 xmlns="4873beb7-5857-4685-be1f-d57550cc96cc">
+      <Terms xmlns="http://schemas.microsoft.com/office/infopath/2007/PartnerControls"/>
+    </CampaignTagsTaxHTField0>
+    <TPNamespace xmlns="4873beb7-5857-4685-be1f-d57550cc96cc" xsi:nil="true"/>
+    <LocOverallPreviewStatusLookup xmlns="4873beb7-5857-4685-be1f-d57550cc96cc" xsi:nil="true"/>
+    <TaxCatchAll xmlns="4873beb7-5857-4685-be1f-d57550cc96cc"/>
+    <Markets xmlns="4873beb7-5857-4685-be1f-d57550cc96cc"/>
+    <UAProjectedTotalWords xmlns="4873beb7-5857-4685-be1f-d57550cc96cc" xsi:nil="true"/>
+    <IntlLangReview xmlns="4873beb7-5857-4685-be1f-d57550cc96cc" xsi:nil="true"/>
+    <OutputCachingOn xmlns="4873beb7-5857-4685-be1f-d57550cc96cc">false</OutputCachingOn>
+    <AverageRating xmlns="4873beb7-5857-4685-be1f-d57550cc96cc" xsi:nil="true"/>
+    <APAuthor xmlns="4873beb7-5857-4685-be1f-d57550cc96cc">
+      <UserInfo>
+        <DisplayName>REDMOND\kristaa</DisplayName>
+        <AccountId>136</AccountId>
+        <AccountType/>
+      </UserInfo>
+    </APAuthor>
+    <LocManualTestRequired xmlns="4873beb7-5857-4685-be1f-d57550cc96cc">false</LocManualTestRequired>
+    <TPCommandLine xmlns="4873beb7-5857-4685-be1f-d57550cc96cc" xsi:nil="true"/>
+    <TPAppVersion xmlns="4873beb7-5857-4685-be1f-d57550cc96cc" xsi:nil="true"/>
+    <EditorialStatus xmlns="4873beb7-5857-4685-be1f-d57550cc96cc">Complete</EditorialStatus>
+    <LastModifiedDateTime xmlns="4873beb7-5857-4685-be1f-d57550cc96cc" xsi:nil="true"/>
+    <ScenarioTagsTaxHTField0 xmlns="4873beb7-5857-4685-be1f-d57550cc96cc">
+      <Terms xmlns="http://schemas.microsoft.com/office/infopath/2007/PartnerControls"/>
+    </ScenarioTagsTaxHTField0>
+    <LocProcessedForMarketsLookup xmlns="4873beb7-5857-4685-be1f-d57550cc96cc" xsi:nil="true"/>
+    <TPLaunchHelpLinkType xmlns="4873beb7-5857-4685-be1f-d57550cc96cc">Template</TPLaunchHelpLinkType>
+    <OriginalRelease xmlns="4873beb7-5857-4685-be1f-d57550cc96cc">15</OriginalRelease>
+    <LocalizationTagsTaxHTField0 xmlns="4873beb7-5857-4685-be1f-d57550cc96cc">
+      <Terms xmlns="http://schemas.microsoft.com/office/infopath/2007/PartnerControls"/>
+    </LocalizationTagsTaxHTField0>
+    <UACurrentWords xmlns="4873beb7-5857-4685-be1f-d57550cc96cc" xsi:nil="true"/>
+    <ArtSampleDocs xmlns="4873beb7-5857-4685-be1f-d57550cc96cc" xsi:nil="true"/>
+    <UALocRecommendation xmlns="4873beb7-5857-4685-be1f-d57550cc96cc">Localize</UALocRecommendation>
+    <Manager xmlns="4873beb7-5857-4685-be1f-d57550cc96cc" xsi:nil="true"/>
+    <LocOverallHandbackStatusLookup xmlns="4873beb7-5857-4685-be1f-d57550cc96cc" xsi:nil="true"/>
+    <ShowIn xmlns="4873beb7-5857-4685-be1f-d57550cc96cc">Show everywhere</ShowIn>
+    <UANotes xmlns="4873beb7-5857-4685-be1f-d57550cc96cc" xsi:nil="true"/>
+    <InternalTagsTaxHTField0 xmlns="4873beb7-5857-4685-be1f-d57550cc96cc">
+      <Terms xmlns="http://schemas.microsoft.com/office/infopath/2007/PartnerControls"/>
+    </InternalTagsTaxHTField0>
+    <CSXHash xmlns="4873beb7-5857-4685-be1f-d57550cc96cc" xsi:nil="true"/>
+    <VoteCount xmlns="4873beb7-5857-4685-be1f-d57550cc96cc" xsi:nil="true"/>
+    <AssetExpire xmlns="4873beb7-5857-4685-be1f-d57550cc96cc">2029-05-12T07:00:00+00:00</AssetExpire>
+    <DSATActionTaken xmlns="4873beb7-5857-4685-be1f-d57550cc96cc" xsi:nil="true"/>
+    <CSXSubmissionMarket xmlns="4873beb7-5857-4685-be1f-d57550cc96cc" xsi:nil="true"/>
+    <LocMarketGroupTiers2 xmlns="4873beb7-5857-4685-be1f-d57550cc96cc" xsi:nil="true"/>
+  </documentManagement>
+</p:properties>
+</file>
+
 <file path=customXml/item3.xml><?xml version="1.0" encoding="utf-8"?>
 <?mso-contentType ?>
 <FormTemplates xmlns="http://schemas.microsoft.com/sharepoint/v3/contenttype/forms">
@@ -23720,22 +23698,6 @@
 </file>
 
 <file path=customXml/itemProps1.xml><?xml version="1.0" encoding="utf-8"?>
-<ds:datastoreItem xmlns:ds="http://schemas.openxmlformats.org/officeDocument/2006/customXml" ds:itemID="{60C67BEE-D13F-4BD2-98A5-34D8A0977F68}">
-  <ds:schemaRefs>
-    <ds:schemaRef ds:uri="http://purl.org/dc/dcmitype/"/>
-    <ds:schemaRef ds:uri="http://www.w3.org/XML/1998/namespace"/>
-    <ds:schemaRef ds:uri="http://schemas.openxmlformats.org/package/2006/metadata/core-properties"/>
-    <ds:schemaRef ds:uri="http://purl.org/dc/elements/1.1/"/>
-    <ds:schemaRef ds:uri="http://schemas.microsoft.com/office/infopath/2007/PartnerControls"/>
-    <ds:schemaRef ds:uri="http://purl.org/dc/terms/"/>
-    <ds:schemaRef ds:uri="http://schemas.microsoft.com/office/2006/documentManagement/types"/>
-    <ds:schemaRef ds:uri="4873beb7-5857-4685-be1f-d57550cc96cc"/>
-    <ds:schemaRef ds:uri="http://schemas.microsoft.com/office/2006/metadata/properties"/>
-  </ds:schemaRefs>
-</ds:datastoreItem>
-</file>
-
-<file path=customXml/itemProps2.xml><?xml version="1.0" encoding="utf-8"?>
 <ds:datastoreItem xmlns:ds="http://schemas.openxmlformats.org/officeDocument/2006/customXml" ds:itemID="{A09BF4D4-EF60-4196-BFC3-9462D607978C}">
   <ds:schemaRefs>
     <ds:schemaRef ds:uri="http://schemas.microsoft.com/office/2006/metadata/contentType"/>
@@ -23753,6 +23715,22 @@
 </ds:datastoreItem>
 </file>
 
+<file path=customXml/itemProps2.xml><?xml version="1.0" encoding="utf-8"?>
+<ds:datastoreItem xmlns:ds="http://schemas.openxmlformats.org/officeDocument/2006/customXml" ds:itemID="{60C67BEE-D13F-4BD2-98A5-34D8A0977F68}">
+  <ds:schemaRefs>
+    <ds:schemaRef ds:uri="http://purl.org/dc/elements/1.1/"/>
+    <ds:schemaRef ds:uri="http://www.w3.org/XML/1998/namespace"/>
+    <ds:schemaRef ds:uri="http://schemas.microsoft.com/office/2006/metadata/properties"/>
+    <ds:schemaRef ds:uri="http://purl.org/dc/terms/"/>
+    <ds:schemaRef ds:uri="http://purl.org/dc/dcmitype/"/>
+    <ds:schemaRef ds:uri="http://schemas.microsoft.com/office/2006/documentManagement/types"/>
+    <ds:schemaRef ds:uri="http://schemas.openxmlformats.org/package/2006/metadata/core-properties"/>
+    <ds:schemaRef ds:uri="http://schemas.microsoft.com/office/infopath/2007/PartnerControls"/>
+    <ds:schemaRef ds:uri="4873beb7-5857-4685-be1f-d57550cc96cc"/>
+  </ds:schemaRefs>
+</ds:datastoreItem>
+</file>
+
 <file path=customXml/itemProps3.xml><?xml version="1.0" encoding="utf-8"?>
 <ds:datastoreItem xmlns:ds="http://schemas.openxmlformats.org/officeDocument/2006/customXml" ds:itemID="{3836F65B-1B07-41EE-A0E8-BC6EF3855225}">
   <ds:schemaRefs>
